--- a/训练中心创客交叉融合空间建设/doc/创客融合空间组织架构-中期计划.pptx
+++ b/训练中心创客交叉融合空间建设/doc/创客融合空间组织架构-中期计划.pptx
@@ -2213,7 +2213,11 @@
         <a:p>
           <a:r>
             <a:rPr lang="zh-CN" altLang="en-US" sz="1000" dirty="0" smtClean="0"/>
-            <a:t>行政办公室</a:t>
+            <a:t>行政</a:t>
+          </a:r>
+          <a:r>
+            <a:rPr lang="zh-CN" altLang="en-US" sz="1000" dirty="0" smtClean="0"/>
+            <a:t>办公</a:t>
           </a:r>
           <a:endParaRPr lang="zh-CN" altLang="en-US" sz="1000" dirty="0"/>
         </a:p>
@@ -2324,11 +2328,7 @@
         <a:p>
           <a:r>
             <a:rPr lang="zh-CN" altLang="en-US" sz="1000" dirty="0" smtClean="0"/>
-            <a:t>媒体</a:t>
-          </a:r>
-          <a:r>
-            <a:rPr lang="zh-CN" altLang="en-US" sz="1000" dirty="0" smtClean="0"/>
-            <a:t>内容制作</a:t>
+            <a:t>媒体内容制作</a:t>
           </a:r>
           <a:endParaRPr lang="zh-CN" altLang="en-US" sz="1000" dirty="0"/>
         </a:p>
@@ -2846,9 +2846,13 @@
         <a:p>
           <a:r>
             <a:rPr lang="zh-CN" altLang="en-US" sz="1000" dirty="0" smtClean="0"/>
-            <a:t>创客导师培训</a:t>
+            <a:t>创客导师</a:t>
           </a:r>
-          <a:endParaRPr lang="zh-CN" altLang="en-US" sz="1000" dirty="0"/>
+          <a:r>
+            <a:rPr lang="zh-CN" altLang="en-US" sz="1000" dirty="0" smtClean="0"/>
+            <a:t>培训</a:t>
+          </a:r>
+          <a:endParaRPr lang="en-US" altLang="zh-CN" sz="1000" dirty="0" smtClean="0"/>
         </a:p>
       </dgm:t>
     </dgm:pt>
@@ -2938,6 +2942,43 @@
       </dgm:t>
     </dgm:pt>
     <dgm:pt modelId="{932C0CFB-6F2F-4ACD-80C3-10DF476259A3}" type="sibTrans" cxnId="{02BC3687-C2D5-4BBF-83E6-0C945D080C43}">
+      <dgm:prSet/>
+      <dgm:spPr/>
+      <dgm:t>
+        <a:bodyPr/>
+        <a:lstStyle/>
+        <a:p>
+          <a:endParaRPr lang="zh-CN" altLang="en-US"/>
+        </a:p>
+      </dgm:t>
+    </dgm:pt>
+    <dgm:pt modelId="{9AE2FAA4-048B-404A-9F44-AADBF97A4A00}">
+      <dgm:prSet phldrT="[Text]" custT="1"/>
+      <dgm:spPr/>
+      <dgm:t>
+        <a:bodyPr/>
+        <a:lstStyle/>
+        <a:p>
+          <a:r>
+            <a:rPr lang="zh-CN" altLang="en-US" sz="1000" dirty="0" smtClean="0"/>
+            <a:t>标准流程开发</a:t>
+          </a:r>
+          <a:endParaRPr lang="en-US" altLang="zh-CN" sz="1000" dirty="0" smtClean="0"/>
+        </a:p>
+      </dgm:t>
+    </dgm:pt>
+    <dgm:pt modelId="{63151B52-80E1-4FEB-9C1A-76650C917B2D}" type="parTrans" cxnId="{2DC9BB3F-6765-4197-8A3B-586738E534AC}">
+      <dgm:prSet/>
+      <dgm:spPr/>
+      <dgm:t>
+        <a:bodyPr/>
+        <a:lstStyle/>
+        <a:p>
+          <a:endParaRPr lang="zh-CN" altLang="en-US"/>
+        </a:p>
+      </dgm:t>
+    </dgm:pt>
+    <dgm:pt modelId="{13668ADB-9098-48CF-9DAA-07C5BD4100AC}" type="sibTrans" cxnId="{2DC9BB3F-6765-4197-8A3B-586738E534AC}">
       <dgm:prSet/>
       <dgm:spPr/>
       <dgm:t>
@@ -3064,7 +3105,7 @@
       <dgm:spPr/>
     </dgm:pt>
     <dgm:pt modelId="{3AE0AA54-28B7-46A5-96A3-C3F81D0E4059}" type="pres">
-      <dgm:prSet presAssocID="{8FECDB88-D8DA-4336-9315-66CD3AA5744C}" presName="Name37" presStyleLbl="parChTrans1D3" presStyleIdx="0" presStyleCnt="17"/>
+      <dgm:prSet presAssocID="{8FECDB88-D8DA-4336-9315-66CD3AA5744C}" presName="Name37" presStyleLbl="parChTrans1D3" presStyleIdx="0" presStyleCnt="18"/>
       <dgm:spPr/>
       <dgm:t>
         <a:bodyPr/>
@@ -3087,7 +3128,7 @@
       <dgm:spPr/>
     </dgm:pt>
     <dgm:pt modelId="{71EAC77D-CB3E-465A-BA43-9DF50AAE3750}" type="pres">
-      <dgm:prSet presAssocID="{22DABE9D-AF7F-4916-93BA-E53367BAECC7}" presName="rootText" presStyleLbl="node3" presStyleIdx="0" presStyleCnt="17">
+      <dgm:prSet presAssocID="{22DABE9D-AF7F-4916-93BA-E53367BAECC7}" presName="rootText" presStyleLbl="node3" presStyleIdx="0" presStyleCnt="18">
         <dgm:presLayoutVars>
           <dgm:chPref val="3"/>
         </dgm:presLayoutVars>
@@ -3102,7 +3143,7 @@
       </dgm:t>
     </dgm:pt>
     <dgm:pt modelId="{CAFDB3A2-9A51-4751-9AB6-1928A03079CA}" type="pres">
-      <dgm:prSet presAssocID="{22DABE9D-AF7F-4916-93BA-E53367BAECC7}" presName="rootConnector" presStyleLbl="node3" presStyleIdx="0" presStyleCnt="17"/>
+      <dgm:prSet presAssocID="{22DABE9D-AF7F-4916-93BA-E53367BAECC7}" presName="rootConnector" presStyleLbl="node3" presStyleIdx="0" presStyleCnt="18"/>
       <dgm:spPr/>
       <dgm:t>
         <a:bodyPr/>
@@ -3121,7 +3162,7 @@
       <dgm:spPr/>
     </dgm:pt>
     <dgm:pt modelId="{01DDCAAB-6E36-42A0-A33F-5D5E08F34D51}" type="pres">
-      <dgm:prSet presAssocID="{6C487981-CDA8-4A90-B5F5-8FFE6CD45099}" presName="Name37" presStyleLbl="parChTrans1D3" presStyleIdx="1" presStyleCnt="17"/>
+      <dgm:prSet presAssocID="{6C487981-CDA8-4A90-B5F5-8FFE6CD45099}" presName="Name37" presStyleLbl="parChTrans1D3" presStyleIdx="1" presStyleCnt="18"/>
       <dgm:spPr/>
       <dgm:t>
         <a:bodyPr/>
@@ -3144,7 +3185,7 @@
       <dgm:spPr/>
     </dgm:pt>
     <dgm:pt modelId="{06919D50-67C9-4024-A49C-1B035BA2BE7B}" type="pres">
-      <dgm:prSet presAssocID="{324CC68E-91C0-4E13-8D05-A2E17152C8BB}" presName="rootText" presStyleLbl="node3" presStyleIdx="1" presStyleCnt="17">
+      <dgm:prSet presAssocID="{324CC68E-91C0-4E13-8D05-A2E17152C8BB}" presName="rootText" presStyleLbl="node3" presStyleIdx="1" presStyleCnt="18">
         <dgm:presLayoutVars>
           <dgm:chPref val="3"/>
         </dgm:presLayoutVars>
@@ -3159,7 +3200,7 @@
       </dgm:t>
     </dgm:pt>
     <dgm:pt modelId="{4C525882-AC5A-4447-9D82-2A9727ADD812}" type="pres">
-      <dgm:prSet presAssocID="{324CC68E-91C0-4E13-8D05-A2E17152C8BB}" presName="rootConnector" presStyleLbl="node3" presStyleIdx="1" presStyleCnt="17"/>
+      <dgm:prSet presAssocID="{324CC68E-91C0-4E13-8D05-A2E17152C8BB}" presName="rootConnector" presStyleLbl="node3" presStyleIdx="1" presStyleCnt="18"/>
       <dgm:spPr/>
       <dgm:t>
         <a:bodyPr/>
@@ -3178,7 +3219,7 @@
       <dgm:spPr/>
     </dgm:pt>
     <dgm:pt modelId="{D688C61D-FD02-4BF4-9CE9-F1E80F9EE4FF}" type="pres">
-      <dgm:prSet presAssocID="{98C00CF9-F573-4E1B-8DAE-CC35170997C3}" presName="Name37" presStyleLbl="parChTrans1D3" presStyleIdx="2" presStyleCnt="17"/>
+      <dgm:prSet presAssocID="{98C00CF9-F573-4E1B-8DAE-CC35170997C3}" presName="Name37" presStyleLbl="parChTrans1D3" presStyleIdx="2" presStyleCnt="18"/>
       <dgm:spPr/>
       <dgm:t>
         <a:bodyPr/>
@@ -3201,7 +3242,7 @@
       <dgm:spPr/>
     </dgm:pt>
     <dgm:pt modelId="{70A67F56-58D7-420C-A80F-7DC712EE07A9}" type="pres">
-      <dgm:prSet presAssocID="{5591D000-72F7-4216-BF6B-16FA1B2C1A19}" presName="rootText" presStyleLbl="node3" presStyleIdx="2" presStyleCnt="17">
+      <dgm:prSet presAssocID="{5591D000-72F7-4216-BF6B-16FA1B2C1A19}" presName="rootText" presStyleLbl="node3" presStyleIdx="2" presStyleCnt="18">
         <dgm:presLayoutVars>
           <dgm:chPref val="3"/>
         </dgm:presLayoutVars>
@@ -3216,7 +3257,7 @@
       </dgm:t>
     </dgm:pt>
     <dgm:pt modelId="{8EE21C64-ED2D-4ACD-8536-1403221002CD}" type="pres">
-      <dgm:prSet presAssocID="{5591D000-72F7-4216-BF6B-16FA1B2C1A19}" presName="rootConnector" presStyleLbl="node3" presStyleIdx="2" presStyleCnt="17"/>
+      <dgm:prSet presAssocID="{5591D000-72F7-4216-BF6B-16FA1B2C1A19}" presName="rootConnector" presStyleLbl="node3" presStyleIdx="2" presStyleCnt="18"/>
       <dgm:spPr/>
       <dgm:t>
         <a:bodyPr/>
@@ -3232,6 +3273,56 @@
     </dgm:pt>
     <dgm:pt modelId="{C40D71AD-3D67-420F-B9D3-7E822FA58DC8}" type="pres">
       <dgm:prSet presAssocID="{5591D000-72F7-4216-BF6B-16FA1B2C1A19}" presName="hierChild5" presStyleCnt="0"/>
+      <dgm:spPr/>
+    </dgm:pt>
+    <dgm:pt modelId="{568343A3-F441-4510-8636-C6B58A7752A3}" type="pres">
+      <dgm:prSet presAssocID="{63151B52-80E1-4FEB-9C1A-76650C917B2D}" presName="Name37" presStyleLbl="parChTrans1D3" presStyleIdx="3" presStyleCnt="18"/>
+      <dgm:spPr/>
+    </dgm:pt>
+    <dgm:pt modelId="{C404CF4B-14CA-42D2-8A03-1FA02898B9F2}" type="pres">
+      <dgm:prSet presAssocID="{9AE2FAA4-048B-404A-9F44-AADBF97A4A00}" presName="hierRoot2" presStyleCnt="0">
+        <dgm:presLayoutVars>
+          <dgm:hierBranch val="init"/>
+        </dgm:presLayoutVars>
+      </dgm:prSet>
+      <dgm:spPr/>
+    </dgm:pt>
+    <dgm:pt modelId="{75CF67D3-1622-4B79-B487-25AB987C21A0}" type="pres">
+      <dgm:prSet presAssocID="{9AE2FAA4-048B-404A-9F44-AADBF97A4A00}" presName="rootComposite" presStyleCnt="0"/>
+      <dgm:spPr/>
+    </dgm:pt>
+    <dgm:pt modelId="{8145D83C-AEFC-472F-8B79-B8EC02F2395E}" type="pres">
+      <dgm:prSet presAssocID="{9AE2FAA4-048B-404A-9F44-AADBF97A4A00}" presName="rootText" presStyleLbl="node3" presStyleIdx="3" presStyleCnt="18">
+        <dgm:presLayoutVars>
+          <dgm:chPref val="3"/>
+        </dgm:presLayoutVars>
+      </dgm:prSet>
+      <dgm:spPr/>
+      <dgm:t>
+        <a:bodyPr/>
+        <a:lstStyle/>
+        <a:p>
+          <a:endParaRPr lang="zh-CN" altLang="en-US"/>
+        </a:p>
+      </dgm:t>
+    </dgm:pt>
+    <dgm:pt modelId="{D9B7D16F-7B53-42E1-9977-6266F3ECE94A}" type="pres">
+      <dgm:prSet presAssocID="{9AE2FAA4-048B-404A-9F44-AADBF97A4A00}" presName="rootConnector" presStyleLbl="node3" presStyleIdx="3" presStyleCnt="18"/>
+      <dgm:spPr/>
+      <dgm:t>
+        <a:bodyPr/>
+        <a:lstStyle/>
+        <a:p>
+          <a:endParaRPr lang="zh-CN" altLang="en-US"/>
+        </a:p>
+      </dgm:t>
+    </dgm:pt>
+    <dgm:pt modelId="{68F54085-095F-434E-B2BF-02DBB05ADA26}" type="pres">
+      <dgm:prSet presAssocID="{9AE2FAA4-048B-404A-9F44-AADBF97A4A00}" presName="hierChild4" presStyleCnt="0"/>
+      <dgm:spPr/>
+    </dgm:pt>
+    <dgm:pt modelId="{73F6F6AF-1DE5-4060-8B4C-9CB2E2E1BDBC}" type="pres">
+      <dgm:prSet presAssocID="{9AE2FAA4-048B-404A-9F44-AADBF97A4A00}" presName="hierChild5" presStyleCnt="0"/>
       <dgm:spPr/>
     </dgm:pt>
     <dgm:pt modelId="{E6A376EE-F366-4A9C-8919-A5134F63CCA8}" type="pres">
@@ -3292,7 +3383,7 @@
       <dgm:spPr/>
     </dgm:pt>
     <dgm:pt modelId="{552F1557-B1B0-4F04-AAA9-6E65B036789B}" type="pres">
-      <dgm:prSet presAssocID="{ADD86D5A-3818-46F4-828A-CD7D156A7E8F}" presName="Name37" presStyleLbl="parChTrans1D3" presStyleIdx="3" presStyleCnt="17"/>
+      <dgm:prSet presAssocID="{ADD86D5A-3818-46F4-828A-CD7D156A7E8F}" presName="Name37" presStyleLbl="parChTrans1D3" presStyleIdx="4" presStyleCnt="18"/>
       <dgm:spPr/>
       <dgm:t>
         <a:bodyPr/>
@@ -3315,7 +3406,7 @@
       <dgm:spPr/>
     </dgm:pt>
     <dgm:pt modelId="{797D3232-9AE5-424C-BF44-C67B11850F9E}" type="pres">
-      <dgm:prSet presAssocID="{729B1D45-7DB3-4A31-924E-5539975944DA}" presName="rootText" presStyleLbl="node3" presStyleIdx="3" presStyleCnt="17">
+      <dgm:prSet presAssocID="{729B1D45-7DB3-4A31-924E-5539975944DA}" presName="rootText" presStyleLbl="node3" presStyleIdx="4" presStyleCnt="18">
         <dgm:presLayoutVars>
           <dgm:chPref val="3"/>
         </dgm:presLayoutVars>
@@ -3330,7 +3421,7 @@
       </dgm:t>
     </dgm:pt>
     <dgm:pt modelId="{0A438C88-0BF3-4380-B6AD-C88F77010F62}" type="pres">
-      <dgm:prSet presAssocID="{729B1D45-7DB3-4A31-924E-5539975944DA}" presName="rootConnector" presStyleLbl="node3" presStyleIdx="3" presStyleCnt="17"/>
+      <dgm:prSet presAssocID="{729B1D45-7DB3-4A31-924E-5539975944DA}" presName="rootConnector" presStyleLbl="node3" presStyleIdx="4" presStyleCnt="18"/>
       <dgm:spPr/>
       <dgm:t>
         <a:bodyPr/>
@@ -3349,7 +3440,7 @@
       <dgm:spPr/>
     </dgm:pt>
     <dgm:pt modelId="{BDE5A372-D171-4401-BF13-9DAAC2A6012C}" type="pres">
-      <dgm:prSet presAssocID="{E0A5A419-1CE3-4788-B57C-DDD86A31FE52}" presName="Name37" presStyleLbl="parChTrans1D3" presStyleIdx="4" presStyleCnt="17"/>
+      <dgm:prSet presAssocID="{E0A5A419-1CE3-4788-B57C-DDD86A31FE52}" presName="Name37" presStyleLbl="parChTrans1D3" presStyleIdx="5" presStyleCnt="18"/>
       <dgm:spPr/>
       <dgm:t>
         <a:bodyPr/>
@@ -3372,7 +3463,7 @@
       <dgm:spPr/>
     </dgm:pt>
     <dgm:pt modelId="{2935C8D1-44E6-4B69-8643-30A7AFF510A9}" type="pres">
-      <dgm:prSet presAssocID="{085B49DB-0B69-4DFD-B3A1-01E96C6A434D}" presName="rootText" presStyleLbl="node3" presStyleIdx="4" presStyleCnt="17">
+      <dgm:prSet presAssocID="{085B49DB-0B69-4DFD-B3A1-01E96C6A434D}" presName="rootText" presStyleLbl="node3" presStyleIdx="5" presStyleCnt="18">
         <dgm:presLayoutVars>
           <dgm:chPref val="3"/>
         </dgm:presLayoutVars>
@@ -3387,7 +3478,7 @@
       </dgm:t>
     </dgm:pt>
     <dgm:pt modelId="{3944B0BF-2526-4A32-88D5-A3E613D2BB3F}" type="pres">
-      <dgm:prSet presAssocID="{085B49DB-0B69-4DFD-B3A1-01E96C6A434D}" presName="rootConnector" presStyleLbl="node3" presStyleIdx="4" presStyleCnt="17"/>
+      <dgm:prSet presAssocID="{085B49DB-0B69-4DFD-B3A1-01E96C6A434D}" presName="rootConnector" presStyleLbl="node3" presStyleIdx="5" presStyleCnt="18"/>
       <dgm:spPr/>
       <dgm:t>
         <a:bodyPr/>
@@ -3463,7 +3554,7 @@
       <dgm:spPr/>
     </dgm:pt>
     <dgm:pt modelId="{6D739ACB-37B2-4626-AFBC-25D3FA2DFE32}" type="pres">
-      <dgm:prSet presAssocID="{7FBF5826-B398-4A6B-8345-5DFCEC2632B1}" presName="Name37" presStyleLbl="parChTrans1D3" presStyleIdx="5" presStyleCnt="17"/>
+      <dgm:prSet presAssocID="{7FBF5826-B398-4A6B-8345-5DFCEC2632B1}" presName="Name37" presStyleLbl="parChTrans1D3" presStyleIdx="6" presStyleCnt="18"/>
       <dgm:spPr/>
       <dgm:t>
         <a:bodyPr/>
@@ -3486,7 +3577,7 @@
       <dgm:spPr/>
     </dgm:pt>
     <dgm:pt modelId="{EBEB1F0E-C0D6-4F95-BDC2-0A43E9F21597}" type="pres">
-      <dgm:prSet presAssocID="{FCDCA2F8-71F1-4767-A252-600D53253190}" presName="rootText" presStyleLbl="node3" presStyleIdx="5" presStyleCnt="17">
+      <dgm:prSet presAssocID="{FCDCA2F8-71F1-4767-A252-600D53253190}" presName="rootText" presStyleLbl="node3" presStyleIdx="6" presStyleCnt="18">
         <dgm:presLayoutVars>
           <dgm:chPref val="3"/>
         </dgm:presLayoutVars>
@@ -3501,7 +3592,7 @@
       </dgm:t>
     </dgm:pt>
     <dgm:pt modelId="{069004BA-F69B-4DD5-9F13-C5CB83B42403}" type="pres">
-      <dgm:prSet presAssocID="{FCDCA2F8-71F1-4767-A252-600D53253190}" presName="rootConnector" presStyleLbl="node3" presStyleIdx="5" presStyleCnt="17"/>
+      <dgm:prSet presAssocID="{FCDCA2F8-71F1-4767-A252-600D53253190}" presName="rootConnector" presStyleLbl="node3" presStyleIdx="6" presStyleCnt="18"/>
       <dgm:spPr/>
       <dgm:t>
         <a:bodyPr/>
@@ -3520,7 +3611,7 @@
       <dgm:spPr/>
     </dgm:pt>
     <dgm:pt modelId="{3D1D5A5B-E9C2-41AF-A10E-9B8D7DF01C11}" type="pres">
-      <dgm:prSet presAssocID="{37F5E037-746E-4D4B-B2F2-522AFC0AD521}" presName="Name37" presStyleLbl="parChTrans1D3" presStyleIdx="6" presStyleCnt="17"/>
+      <dgm:prSet presAssocID="{37F5E037-746E-4D4B-B2F2-522AFC0AD521}" presName="Name37" presStyleLbl="parChTrans1D3" presStyleIdx="7" presStyleCnt="18"/>
       <dgm:spPr/>
       <dgm:t>
         <a:bodyPr/>
@@ -3543,7 +3634,7 @@
       <dgm:spPr/>
     </dgm:pt>
     <dgm:pt modelId="{0FDCCED2-EA96-4282-AE75-4A10C99EBFFE}" type="pres">
-      <dgm:prSet presAssocID="{619DEEB9-9DFE-4946-94DC-36B64D2D8F6D}" presName="rootText" presStyleLbl="node3" presStyleIdx="6" presStyleCnt="17">
+      <dgm:prSet presAssocID="{619DEEB9-9DFE-4946-94DC-36B64D2D8F6D}" presName="rootText" presStyleLbl="node3" presStyleIdx="7" presStyleCnt="18">
         <dgm:presLayoutVars>
           <dgm:chPref val="3"/>
         </dgm:presLayoutVars>
@@ -3558,7 +3649,7 @@
       </dgm:t>
     </dgm:pt>
     <dgm:pt modelId="{F56310A5-DB7F-4079-AC99-057413446370}" type="pres">
-      <dgm:prSet presAssocID="{619DEEB9-9DFE-4946-94DC-36B64D2D8F6D}" presName="rootConnector" presStyleLbl="node3" presStyleIdx="6" presStyleCnt="17"/>
+      <dgm:prSet presAssocID="{619DEEB9-9DFE-4946-94DC-36B64D2D8F6D}" presName="rootConnector" presStyleLbl="node3" presStyleIdx="7" presStyleCnt="18"/>
       <dgm:spPr/>
       <dgm:t>
         <a:bodyPr/>
@@ -3577,7 +3668,7 @@
       <dgm:spPr/>
     </dgm:pt>
     <dgm:pt modelId="{69B8F2DF-B219-4C9F-ABA8-551D086C8538}" type="pres">
-      <dgm:prSet presAssocID="{B58FEEA4-85B0-42CA-8292-1E2D83E17F35}" presName="Name37" presStyleLbl="parChTrans1D3" presStyleIdx="7" presStyleCnt="17"/>
+      <dgm:prSet presAssocID="{B58FEEA4-85B0-42CA-8292-1E2D83E17F35}" presName="Name37" presStyleLbl="parChTrans1D3" presStyleIdx="8" presStyleCnt="18"/>
       <dgm:spPr/>
       <dgm:t>
         <a:bodyPr/>
@@ -3600,7 +3691,7 @@
       <dgm:spPr/>
     </dgm:pt>
     <dgm:pt modelId="{F426A612-7524-4F57-972A-1D5956A752DF}" type="pres">
-      <dgm:prSet presAssocID="{21FD9C05-66DB-4405-B795-62D052B52D05}" presName="rootText" presStyleLbl="node3" presStyleIdx="7" presStyleCnt="17">
+      <dgm:prSet presAssocID="{21FD9C05-66DB-4405-B795-62D052B52D05}" presName="rootText" presStyleLbl="node3" presStyleIdx="8" presStyleCnt="18">
         <dgm:presLayoutVars>
           <dgm:chPref val="3"/>
         </dgm:presLayoutVars>
@@ -3615,7 +3706,7 @@
       </dgm:t>
     </dgm:pt>
     <dgm:pt modelId="{6BAB85EC-F9DC-42CA-AD39-F19B2CFFEE82}" type="pres">
-      <dgm:prSet presAssocID="{21FD9C05-66DB-4405-B795-62D052B52D05}" presName="rootConnector" presStyleLbl="node3" presStyleIdx="7" presStyleCnt="17"/>
+      <dgm:prSet presAssocID="{21FD9C05-66DB-4405-B795-62D052B52D05}" presName="rootConnector" presStyleLbl="node3" presStyleIdx="8" presStyleCnt="18"/>
       <dgm:spPr/>
       <dgm:t>
         <a:bodyPr/>
@@ -3634,8 +3725,15 @@
       <dgm:spPr/>
     </dgm:pt>
     <dgm:pt modelId="{2A5410F8-6EB0-4181-98C8-2531DF257E91}" type="pres">
-      <dgm:prSet presAssocID="{F8BB666B-CCF5-4F5E-AB3C-79936A9C6BBE}" presName="Name37" presStyleLbl="parChTrans1D3" presStyleIdx="8" presStyleCnt="17"/>
-      <dgm:spPr/>
+      <dgm:prSet presAssocID="{F8BB666B-CCF5-4F5E-AB3C-79936A9C6BBE}" presName="Name37" presStyleLbl="parChTrans1D3" presStyleIdx="9" presStyleCnt="18"/>
+      <dgm:spPr/>
+      <dgm:t>
+        <a:bodyPr/>
+        <a:lstStyle/>
+        <a:p>
+          <a:endParaRPr lang="zh-CN" altLang="en-US"/>
+        </a:p>
+      </dgm:t>
     </dgm:pt>
     <dgm:pt modelId="{713724A3-C6AF-4AA9-B89B-AA41E3376B83}" type="pres">
       <dgm:prSet presAssocID="{845E7A6B-29F8-49F7-926E-54AFD18D91CF}" presName="hierRoot2" presStyleCnt="0">
@@ -3650,7 +3748,7 @@
       <dgm:spPr/>
     </dgm:pt>
     <dgm:pt modelId="{42411815-96E2-41C2-84BA-5E2686711753}" type="pres">
-      <dgm:prSet presAssocID="{845E7A6B-29F8-49F7-926E-54AFD18D91CF}" presName="rootText" presStyleLbl="node3" presStyleIdx="8" presStyleCnt="17">
+      <dgm:prSet presAssocID="{845E7A6B-29F8-49F7-926E-54AFD18D91CF}" presName="rootText" presStyleLbl="node3" presStyleIdx="9" presStyleCnt="18">
         <dgm:presLayoutVars>
           <dgm:chPref val="3"/>
         </dgm:presLayoutVars>
@@ -3665,7 +3763,7 @@
       </dgm:t>
     </dgm:pt>
     <dgm:pt modelId="{EB96C4BF-A476-41C0-A9BB-D51D20EE2F02}" type="pres">
-      <dgm:prSet presAssocID="{845E7A6B-29F8-49F7-926E-54AFD18D91CF}" presName="rootConnector" presStyleLbl="node3" presStyleIdx="8" presStyleCnt="17"/>
+      <dgm:prSet presAssocID="{845E7A6B-29F8-49F7-926E-54AFD18D91CF}" presName="rootConnector" presStyleLbl="node3" presStyleIdx="9" presStyleCnt="18"/>
       <dgm:spPr/>
       <dgm:t>
         <a:bodyPr/>
@@ -3741,7 +3839,7 @@
       <dgm:spPr/>
     </dgm:pt>
     <dgm:pt modelId="{0F9E97F4-5BBB-404A-B441-16A19A980104}" type="pres">
-      <dgm:prSet presAssocID="{774F1A43-0155-4ECE-BCFB-4EA4031FBBBA}" presName="Name37" presStyleLbl="parChTrans1D3" presStyleIdx="9" presStyleCnt="17"/>
+      <dgm:prSet presAssocID="{774F1A43-0155-4ECE-BCFB-4EA4031FBBBA}" presName="Name37" presStyleLbl="parChTrans1D3" presStyleIdx="10" presStyleCnt="18"/>
       <dgm:spPr/>
       <dgm:t>
         <a:bodyPr/>
@@ -3764,7 +3862,7 @@
       <dgm:spPr/>
     </dgm:pt>
     <dgm:pt modelId="{1A215417-D9B2-488C-9B42-0001A0A1C998}" type="pres">
-      <dgm:prSet presAssocID="{883152E6-D741-49B6-8985-371A14C53B9C}" presName="rootText" presStyleLbl="node3" presStyleIdx="9" presStyleCnt="17">
+      <dgm:prSet presAssocID="{883152E6-D741-49B6-8985-371A14C53B9C}" presName="rootText" presStyleLbl="node3" presStyleIdx="10" presStyleCnt="18">
         <dgm:presLayoutVars>
           <dgm:chPref val="3"/>
         </dgm:presLayoutVars>
@@ -3779,7 +3877,7 @@
       </dgm:t>
     </dgm:pt>
     <dgm:pt modelId="{0E56C2AB-7141-4DAE-8D78-6062A02AF705}" type="pres">
-      <dgm:prSet presAssocID="{883152E6-D741-49B6-8985-371A14C53B9C}" presName="rootConnector" presStyleLbl="node3" presStyleIdx="9" presStyleCnt="17"/>
+      <dgm:prSet presAssocID="{883152E6-D741-49B6-8985-371A14C53B9C}" presName="rootConnector" presStyleLbl="node3" presStyleIdx="10" presStyleCnt="18"/>
       <dgm:spPr/>
       <dgm:t>
         <a:bodyPr/>
@@ -3798,7 +3896,7 @@
       <dgm:spPr/>
     </dgm:pt>
     <dgm:pt modelId="{924693C7-62D8-4135-9367-64742655FA19}" type="pres">
-      <dgm:prSet presAssocID="{4BE5201E-8D76-488B-BA9A-3E26D7B163B8}" presName="Name37" presStyleLbl="parChTrans1D3" presStyleIdx="10" presStyleCnt="17"/>
+      <dgm:prSet presAssocID="{4BE5201E-8D76-488B-BA9A-3E26D7B163B8}" presName="Name37" presStyleLbl="parChTrans1D3" presStyleIdx="11" presStyleCnt="18"/>
       <dgm:spPr/>
       <dgm:t>
         <a:bodyPr/>
@@ -3821,7 +3919,7 @@
       <dgm:spPr/>
     </dgm:pt>
     <dgm:pt modelId="{518E444F-BCD3-46E6-B6C6-06387E56D459}" type="pres">
-      <dgm:prSet presAssocID="{F8871FE8-01C7-46BD-858A-E423033E2A51}" presName="rootText" presStyleLbl="node3" presStyleIdx="10" presStyleCnt="17">
+      <dgm:prSet presAssocID="{F8871FE8-01C7-46BD-858A-E423033E2A51}" presName="rootText" presStyleLbl="node3" presStyleIdx="11" presStyleCnt="18">
         <dgm:presLayoutVars>
           <dgm:chPref val="3"/>
         </dgm:presLayoutVars>
@@ -3836,7 +3934,7 @@
       </dgm:t>
     </dgm:pt>
     <dgm:pt modelId="{140A3F25-55E8-40BD-A758-6B746EF16DA4}" type="pres">
-      <dgm:prSet presAssocID="{F8871FE8-01C7-46BD-858A-E423033E2A51}" presName="rootConnector" presStyleLbl="node3" presStyleIdx="10" presStyleCnt="17"/>
+      <dgm:prSet presAssocID="{F8871FE8-01C7-46BD-858A-E423033E2A51}" presName="rootConnector" presStyleLbl="node3" presStyleIdx="11" presStyleCnt="18"/>
       <dgm:spPr/>
       <dgm:t>
         <a:bodyPr/>
@@ -3855,7 +3953,7 @@
       <dgm:spPr/>
     </dgm:pt>
     <dgm:pt modelId="{A920620F-8E55-45D3-902D-7DF7167239D8}" type="pres">
-      <dgm:prSet presAssocID="{948EEDFB-45FB-4771-B908-717F06E94E53}" presName="Name37" presStyleLbl="parChTrans1D3" presStyleIdx="11" presStyleCnt="17"/>
+      <dgm:prSet presAssocID="{948EEDFB-45FB-4771-B908-717F06E94E53}" presName="Name37" presStyleLbl="parChTrans1D3" presStyleIdx="12" presStyleCnt="18"/>
       <dgm:spPr/>
       <dgm:t>
         <a:bodyPr/>
@@ -3878,7 +3976,7 @@
       <dgm:spPr/>
     </dgm:pt>
     <dgm:pt modelId="{29137021-6411-4F11-A186-8919F9C4A72C}" type="pres">
-      <dgm:prSet presAssocID="{C0D21EB2-B09C-4B31-91B9-8D55C3679D7D}" presName="rootText" presStyleLbl="node3" presStyleIdx="11" presStyleCnt="17">
+      <dgm:prSet presAssocID="{C0D21EB2-B09C-4B31-91B9-8D55C3679D7D}" presName="rootText" presStyleLbl="node3" presStyleIdx="12" presStyleCnt="18">
         <dgm:presLayoutVars>
           <dgm:chPref val="3"/>
         </dgm:presLayoutVars>
@@ -3893,7 +3991,7 @@
       </dgm:t>
     </dgm:pt>
     <dgm:pt modelId="{24C284F0-8D93-4D44-B5EA-D5E8D889D085}" type="pres">
-      <dgm:prSet presAssocID="{C0D21EB2-B09C-4B31-91B9-8D55C3679D7D}" presName="rootConnector" presStyleLbl="node3" presStyleIdx="11" presStyleCnt="17"/>
+      <dgm:prSet presAssocID="{C0D21EB2-B09C-4B31-91B9-8D55C3679D7D}" presName="rootConnector" presStyleLbl="node3" presStyleIdx="12" presStyleCnt="18"/>
       <dgm:spPr/>
       <dgm:t>
         <a:bodyPr/>
@@ -3912,7 +4010,7 @@
       <dgm:spPr/>
     </dgm:pt>
     <dgm:pt modelId="{A41724CE-D73F-4DC0-BC0A-8C9D375B5A1A}" type="pres">
-      <dgm:prSet presAssocID="{2042B437-A626-4D04-863A-C67A8336951C}" presName="Name37" presStyleLbl="parChTrans1D3" presStyleIdx="12" presStyleCnt="17"/>
+      <dgm:prSet presAssocID="{2042B437-A626-4D04-863A-C67A8336951C}" presName="Name37" presStyleLbl="parChTrans1D3" presStyleIdx="13" presStyleCnt="18"/>
       <dgm:spPr/>
       <dgm:t>
         <a:bodyPr/>
@@ -3935,7 +4033,7 @@
       <dgm:spPr/>
     </dgm:pt>
     <dgm:pt modelId="{278A9DE4-8DE7-47A2-8D90-A0EED2C32556}" type="pres">
-      <dgm:prSet presAssocID="{9ADCC993-7B1F-48F5-ADE9-27B74164C080}" presName="rootText" presStyleLbl="node3" presStyleIdx="12" presStyleCnt="17">
+      <dgm:prSet presAssocID="{9ADCC993-7B1F-48F5-ADE9-27B74164C080}" presName="rootText" presStyleLbl="node3" presStyleIdx="13" presStyleCnt="18">
         <dgm:presLayoutVars>
           <dgm:chPref val="3"/>
         </dgm:presLayoutVars>
@@ -3950,7 +4048,7 @@
       </dgm:t>
     </dgm:pt>
     <dgm:pt modelId="{75BCB910-98EE-4908-957A-A8743BBEBA08}" type="pres">
-      <dgm:prSet presAssocID="{9ADCC993-7B1F-48F5-ADE9-27B74164C080}" presName="rootConnector" presStyleLbl="node3" presStyleIdx="12" presStyleCnt="17"/>
+      <dgm:prSet presAssocID="{9ADCC993-7B1F-48F5-ADE9-27B74164C080}" presName="rootConnector" presStyleLbl="node3" presStyleIdx="13" presStyleCnt="18"/>
       <dgm:spPr/>
       <dgm:t>
         <a:bodyPr/>
@@ -4026,7 +4124,7 @@
       <dgm:spPr/>
     </dgm:pt>
     <dgm:pt modelId="{6FD95273-3913-48D2-8104-3E33970622AB}" type="pres">
-      <dgm:prSet presAssocID="{A3617491-3B4B-4223-9FC6-1D2C4F1E7D36}" presName="Name37" presStyleLbl="parChTrans1D3" presStyleIdx="13" presStyleCnt="17"/>
+      <dgm:prSet presAssocID="{A3617491-3B4B-4223-9FC6-1D2C4F1E7D36}" presName="Name37" presStyleLbl="parChTrans1D3" presStyleIdx="14" presStyleCnt="18"/>
       <dgm:spPr/>
       <dgm:t>
         <a:bodyPr/>
@@ -4049,7 +4147,7 @@
       <dgm:spPr/>
     </dgm:pt>
     <dgm:pt modelId="{42D3BA41-8AEB-4F5C-ADED-0C6D67B6AC2D}" type="pres">
-      <dgm:prSet presAssocID="{8CCB897D-0D51-49A7-B545-8E54140928D2}" presName="rootText" presStyleLbl="node3" presStyleIdx="13" presStyleCnt="17">
+      <dgm:prSet presAssocID="{8CCB897D-0D51-49A7-B545-8E54140928D2}" presName="rootText" presStyleLbl="node3" presStyleIdx="14" presStyleCnt="18">
         <dgm:presLayoutVars>
           <dgm:chPref val="3"/>
         </dgm:presLayoutVars>
@@ -4064,7 +4162,7 @@
       </dgm:t>
     </dgm:pt>
     <dgm:pt modelId="{29AA053E-2059-4D09-9460-EAA076C1CCD4}" type="pres">
-      <dgm:prSet presAssocID="{8CCB897D-0D51-49A7-B545-8E54140928D2}" presName="rootConnector" presStyleLbl="node3" presStyleIdx="13" presStyleCnt="17"/>
+      <dgm:prSet presAssocID="{8CCB897D-0D51-49A7-B545-8E54140928D2}" presName="rootConnector" presStyleLbl="node3" presStyleIdx="14" presStyleCnt="18"/>
       <dgm:spPr/>
       <dgm:t>
         <a:bodyPr/>
@@ -4083,7 +4181,7 @@
       <dgm:spPr/>
     </dgm:pt>
     <dgm:pt modelId="{7D19548D-AF5B-45F7-B76A-B9FAD10DA945}" type="pres">
-      <dgm:prSet presAssocID="{3E7B209B-99E9-4732-8535-B6420FAA9EB0}" presName="Name37" presStyleLbl="parChTrans1D3" presStyleIdx="14" presStyleCnt="17"/>
+      <dgm:prSet presAssocID="{3E7B209B-99E9-4732-8535-B6420FAA9EB0}" presName="Name37" presStyleLbl="parChTrans1D3" presStyleIdx="15" presStyleCnt="18"/>
       <dgm:spPr/>
       <dgm:t>
         <a:bodyPr/>
@@ -4106,7 +4204,7 @@
       <dgm:spPr/>
     </dgm:pt>
     <dgm:pt modelId="{C8D55184-A394-48E3-A09E-C68E6EE66F65}" type="pres">
-      <dgm:prSet presAssocID="{3058A150-8CE8-415A-A126-6151E90C31A2}" presName="rootText" presStyleLbl="node3" presStyleIdx="14" presStyleCnt="17">
+      <dgm:prSet presAssocID="{3058A150-8CE8-415A-A126-6151E90C31A2}" presName="rootText" presStyleLbl="node3" presStyleIdx="15" presStyleCnt="18">
         <dgm:presLayoutVars>
           <dgm:chPref val="3"/>
         </dgm:presLayoutVars>
@@ -4121,7 +4219,7 @@
       </dgm:t>
     </dgm:pt>
     <dgm:pt modelId="{8228AFE6-53A3-4086-BE28-7772D6F5A162}" type="pres">
-      <dgm:prSet presAssocID="{3058A150-8CE8-415A-A126-6151E90C31A2}" presName="rootConnector" presStyleLbl="node3" presStyleIdx="14" presStyleCnt="17"/>
+      <dgm:prSet presAssocID="{3058A150-8CE8-415A-A126-6151E90C31A2}" presName="rootConnector" presStyleLbl="node3" presStyleIdx="15" presStyleCnt="18"/>
       <dgm:spPr/>
       <dgm:t>
         <a:bodyPr/>
@@ -4197,7 +4295,7 @@
       <dgm:spPr/>
     </dgm:pt>
     <dgm:pt modelId="{A0FE0C4C-626D-4044-8688-2DF4D8FFFCE3}" type="pres">
-      <dgm:prSet presAssocID="{63721FDA-7DD9-40E4-8293-B1A2233AABFA}" presName="Name37" presStyleLbl="parChTrans1D3" presStyleIdx="15" presStyleCnt="17"/>
+      <dgm:prSet presAssocID="{63721FDA-7DD9-40E4-8293-B1A2233AABFA}" presName="Name37" presStyleLbl="parChTrans1D3" presStyleIdx="16" presStyleCnt="18"/>
       <dgm:spPr/>
       <dgm:t>
         <a:bodyPr/>
@@ -4220,7 +4318,7 @@
       <dgm:spPr/>
     </dgm:pt>
     <dgm:pt modelId="{D06564C4-2C89-4816-933F-CC34A1081437}" type="pres">
-      <dgm:prSet presAssocID="{CEE6ED11-B48B-42D4-A022-C129ED93DE02}" presName="rootText" presStyleLbl="node3" presStyleIdx="15" presStyleCnt="17">
+      <dgm:prSet presAssocID="{CEE6ED11-B48B-42D4-A022-C129ED93DE02}" presName="rootText" presStyleLbl="node3" presStyleIdx="16" presStyleCnt="18">
         <dgm:presLayoutVars>
           <dgm:chPref val="3"/>
         </dgm:presLayoutVars>
@@ -4235,7 +4333,7 @@
       </dgm:t>
     </dgm:pt>
     <dgm:pt modelId="{50B9948C-7457-404E-ACF2-5F95D7658CD3}" type="pres">
-      <dgm:prSet presAssocID="{CEE6ED11-B48B-42D4-A022-C129ED93DE02}" presName="rootConnector" presStyleLbl="node3" presStyleIdx="15" presStyleCnt="17"/>
+      <dgm:prSet presAssocID="{CEE6ED11-B48B-42D4-A022-C129ED93DE02}" presName="rootConnector" presStyleLbl="node3" presStyleIdx="16" presStyleCnt="18"/>
       <dgm:spPr/>
       <dgm:t>
         <a:bodyPr/>
@@ -4254,7 +4352,7 @@
       <dgm:spPr/>
     </dgm:pt>
     <dgm:pt modelId="{5845D1F4-998D-4F53-BE72-834DBAB5C5F9}" type="pres">
-      <dgm:prSet presAssocID="{85F688BE-7D54-4BD3-8D20-16D607238215}" presName="Name37" presStyleLbl="parChTrans1D3" presStyleIdx="16" presStyleCnt="17"/>
+      <dgm:prSet presAssocID="{85F688BE-7D54-4BD3-8D20-16D607238215}" presName="Name37" presStyleLbl="parChTrans1D3" presStyleIdx="17" presStyleCnt="18"/>
       <dgm:spPr/>
       <dgm:t>
         <a:bodyPr/>
@@ -4277,7 +4375,7 @@
       <dgm:spPr/>
     </dgm:pt>
     <dgm:pt modelId="{793B797E-B720-4927-AAF0-2768CB2E8E8F}" type="pres">
-      <dgm:prSet presAssocID="{9E67BE43-355C-4EC8-8128-B097F743EF6F}" presName="rootText" presStyleLbl="node3" presStyleIdx="16" presStyleCnt="17">
+      <dgm:prSet presAssocID="{9E67BE43-355C-4EC8-8128-B097F743EF6F}" presName="rootText" presStyleLbl="node3" presStyleIdx="17" presStyleCnt="18">
         <dgm:presLayoutVars>
           <dgm:chPref val="3"/>
         </dgm:presLayoutVars>
@@ -4292,7 +4390,7 @@
       </dgm:t>
     </dgm:pt>
     <dgm:pt modelId="{BE315EC5-9744-4688-B95F-4E7E5A462E03}" type="pres">
-      <dgm:prSet presAssocID="{9E67BE43-355C-4EC8-8128-B097F743EF6F}" presName="rootConnector" presStyleLbl="node3" presStyleIdx="16" presStyleCnt="17"/>
+      <dgm:prSet presAssocID="{9E67BE43-355C-4EC8-8128-B097F743EF6F}" presName="rootConnector" presStyleLbl="node3" presStyleIdx="17" presStyleCnt="18"/>
       <dgm:spPr/>
       <dgm:t>
         <a:bodyPr/>
@@ -4521,6 +4619,7 @@
     <dgm:cxn modelId="{4AF03A35-817A-4207-883F-1145147551DF}" type="presOf" srcId="{1750B809-68B4-494A-AF93-3C1F5FFF5062}" destId="{0F159758-F441-4D8C-AEE1-9309EDC09E6C}" srcOrd="0" destOrd="0" presId="urn:microsoft.com/office/officeart/2005/8/layout/orgChart1"/>
     <dgm:cxn modelId="{FB41C467-861E-4FB2-AF18-9DF3F4AB7CB4}" type="presOf" srcId="{9ADCC993-7B1F-48F5-ADE9-27B74164C080}" destId="{278A9DE4-8DE7-47A2-8D90-A0EED2C32556}" srcOrd="0" destOrd="0" presId="urn:microsoft.com/office/officeart/2005/8/layout/orgChart1"/>
     <dgm:cxn modelId="{E40C66E4-C28D-4CC4-840C-EF1E2971E853}" type="presOf" srcId="{21FD9C05-66DB-4405-B795-62D052B52D05}" destId="{6BAB85EC-F9DC-42CA-AD39-F19B2CFFEE82}" srcOrd="1" destOrd="0" presId="urn:microsoft.com/office/officeart/2005/8/layout/orgChart1"/>
+    <dgm:cxn modelId="{2D20E8F8-2030-4370-8F96-4EC7C95D59AA}" type="presOf" srcId="{9AE2FAA4-048B-404A-9F44-AADBF97A4A00}" destId="{8145D83C-AEFC-472F-8B79-B8EC02F2395E}" srcOrd="0" destOrd="0" presId="urn:microsoft.com/office/officeart/2005/8/layout/orgChart1"/>
     <dgm:cxn modelId="{CC4F7C4A-CEF0-4414-96E2-371C66C97005}" type="presOf" srcId="{7105B071-DBC4-4F43-B1AF-A003B3DCC0D2}" destId="{06298EFD-D1DB-486C-A22C-BCB95BF52930}" srcOrd="0" destOrd="0" presId="urn:microsoft.com/office/officeart/2005/8/layout/orgChart1"/>
     <dgm:cxn modelId="{2D3D531A-4BD6-4BE7-BB89-9ABD7A031C67}" type="presOf" srcId="{21FD9C05-66DB-4405-B795-62D052B52D05}" destId="{F426A612-7524-4F57-972A-1D5956A752DF}" srcOrd="0" destOrd="0" presId="urn:microsoft.com/office/officeart/2005/8/layout/orgChart1"/>
     <dgm:cxn modelId="{E3C971AA-6B47-4950-9FFD-72A6C29BF797}" type="presOf" srcId="{BAF321E1-2A80-4FED-AC0F-1E3B302A6EF1}" destId="{7ED864D9-C85B-4B69-98F3-0EFE469CB35B}" srcOrd="0" destOrd="0" presId="urn:microsoft.com/office/officeart/2005/8/layout/orgChart1"/>
@@ -4530,6 +4629,7 @@
     <dgm:cxn modelId="{1CA051F8-B6A9-4A79-9DB6-410678EAA457}" srcId="{05A92A2D-8FFF-4E3D-84E8-0BB1916EF9EA}" destId="{CEE6ED11-B48B-42D4-A022-C129ED93DE02}" srcOrd="0" destOrd="0" parTransId="{63721FDA-7DD9-40E4-8293-B1A2233AABFA}" sibTransId="{84264616-FE7B-471F-A451-2CB07A09D3AB}"/>
     <dgm:cxn modelId="{5215F7F0-DC92-48C3-9C9B-58B2CCF9E850}" type="presOf" srcId="{729B1D45-7DB3-4A31-924E-5539975944DA}" destId="{797D3232-9AE5-424C-BF44-C67B11850F9E}" srcOrd="0" destOrd="0" presId="urn:microsoft.com/office/officeart/2005/8/layout/orgChart1"/>
     <dgm:cxn modelId="{69799F46-CF9E-4CF7-B277-6B81146C4D37}" type="presOf" srcId="{FCDCA2F8-71F1-4767-A252-600D53253190}" destId="{069004BA-F69B-4DD5-9F13-C5CB83B42403}" srcOrd="1" destOrd="0" presId="urn:microsoft.com/office/officeart/2005/8/layout/orgChart1"/>
+    <dgm:cxn modelId="{2DC9BB3F-6765-4197-8A3B-586738E534AC}" srcId="{1750B809-68B4-494A-AF93-3C1F5FFF5062}" destId="{9AE2FAA4-048B-404A-9F44-AADBF97A4A00}" srcOrd="3" destOrd="0" parTransId="{63151B52-80E1-4FEB-9C1A-76650C917B2D}" sibTransId="{13668ADB-9098-48CF-9DAA-07C5BD4100AC}"/>
     <dgm:cxn modelId="{F997098F-0BBE-4857-A800-F3BEF3D53FA8}" srcId="{1750B809-68B4-494A-AF93-3C1F5FFF5062}" destId="{324CC68E-91C0-4E13-8D05-A2E17152C8BB}" srcOrd="1" destOrd="0" parTransId="{6C487981-CDA8-4A90-B5F5-8FFE6CD45099}" sibTransId="{568CE901-72D0-4F6A-B318-2CC750751114}"/>
     <dgm:cxn modelId="{9E45185C-F6FC-4013-9B0A-95976C7BD5D2}" srcId="{B9D45015-B5E6-4F93-A54F-55E55D5E8E2C}" destId="{C8171AF3-34EE-48CF-A8FD-680D9FF7B8FB}" srcOrd="0" destOrd="0" parTransId="{405C309E-72F1-4BB3-8817-A2CF4699E085}" sibTransId="{00D4433E-5FF4-45A9-9366-5C5D47351AF7}"/>
     <dgm:cxn modelId="{EB5CE305-51F4-425D-9FC5-21AD26324B2F}" type="presOf" srcId="{F8871FE8-01C7-46BD-858A-E423033E2A51}" destId="{140A3F25-55E8-40BD-A758-6B746EF16DA4}" srcOrd="1" destOrd="0" presId="urn:microsoft.com/office/officeart/2005/8/layout/orgChart1"/>
@@ -4540,12 +4640,13 @@
     <dgm:cxn modelId="{BC7C3AB9-3870-4A63-9644-3E17176E72EF}" type="presOf" srcId="{22DABE9D-AF7F-4916-93BA-E53367BAECC7}" destId="{71EAC77D-CB3E-465A-BA43-9DF50AAE3750}" srcOrd="0" destOrd="0" presId="urn:microsoft.com/office/officeart/2005/8/layout/orgChart1"/>
     <dgm:cxn modelId="{38D17EE6-8802-4533-9248-80307C609511}" type="presOf" srcId="{4634B150-C299-4AF8-A25F-3C7753F8DBB1}" destId="{489EB104-B3E6-4247-A5A1-1AD3BCD98D74}" srcOrd="1" destOrd="0" presId="urn:microsoft.com/office/officeart/2005/8/layout/orgChart1"/>
     <dgm:cxn modelId="{B307697C-A8FF-47C3-A1F0-25822F54B508}" type="presOf" srcId="{2042B437-A626-4D04-863A-C67A8336951C}" destId="{A41724CE-D73F-4DC0-BC0A-8C9D375B5A1A}" srcOrd="0" destOrd="0" presId="urn:microsoft.com/office/officeart/2005/8/layout/orgChart1"/>
-    <dgm:cxn modelId="{6CEF479F-7621-4502-9B19-68C345F048EA}" srcId="{7105B071-DBC4-4F43-B1AF-A003B3DCC0D2}" destId="{085B49DB-0B69-4DFD-B3A1-01E96C6A434D}" srcOrd="1" destOrd="0" parTransId="{E0A5A419-1CE3-4788-B57C-DDD86A31FE52}" sibTransId="{7AA4ED38-6B8C-4A10-96A8-E0FE837C3653}"/>
     <dgm:cxn modelId="{02BC3687-C2D5-4BBF-83E6-0C945D080C43}" srcId="{0DEC7C12-E0D8-4AB2-B978-B1DABF257688}" destId="{845E7A6B-29F8-49F7-926E-54AFD18D91CF}" srcOrd="3" destOrd="0" parTransId="{F8BB666B-CCF5-4F5E-AB3C-79936A9C6BBE}" sibTransId="{932C0CFB-6F2F-4ACD-80C3-10DF476259A3}"/>
     <dgm:cxn modelId="{A4CAE09B-7408-415C-8F22-26592ED8D606}" type="presOf" srcId="{8FECDB88-D8DA-4336-9315-66CD3AA5744C}" destId="{3AE0AA54-28B7-46A5-96A3-C3F81D0E4059}" srcOrd="0" destOrd="0" presId="urn:microsoft.com/office/officeart/2005/8/layout/orgChart1"/>
+    <dgm:cxn modelId="{6CEF479F-7621-4502-9B19-68C345F048EA}" srcId="{7105B071-DBC4-4F43-B1AF-A003B3DCC0D2}" destId="{085B49DB-0B69-4DFD-B3A1-01E96C6A434D}" srcOrd="1" destOrd="0" parTransId="{E0A5A419-1CE3-4788-B57C-DDD86A31FE52}" sibTransId="{7AA4ED38-6B8C-4A10-96A8-E0FE837C3653}"/>
     <dgm:cxn modelId="{DB41561E-9749-48AE-A825-78629186E484}" type="presOf" srcId="{2338F122-88B8-4178-BB0E-D68B44851775}" destId="{9814FB92-70BA-4E23-A0D2-182213C83EEB}" srcOrd="0" destOrd="0" presId="urn:microsoft.com/office/officeart/2005/8/layout/orgChart1"/>
     <dgm:cxn modelId="{10B2DE7B-1C16-4042-A3DA-14591FFA41FB}" type="presOf" srcId="{5591D000-72F7-4216-BF6B-16FA1B2C1A19}" destId="{70A67F56-58D7-420C-A80F-7DC712EE07A9}" srcOrd="0" destOrd="0" presId="urn:microsoft.com/office/officeart/2005/8/layout/orgChart1"/>
     <dgm:cxn modelId="{74BF8D3C-2618-44BD-A4EF-A8FCBFA10B88}" type="presOf" srcId="{A3617491-3B4B-4223-9FC6-1D2C4F1E7D36}" destId="{6FD95273-3913-48D2-8104-3E33970622AB}" srcOrd="0" destOrd="0" presId="urn:microsoft.com/office/officeart/2005/8/layout/orgChart1"/>
+    <dgm:cxn modelId="{382A428E-7A6C-4406-88E7-83597C07DA14}" type="presOf" srcId="{9AE2FAA4-048B-404A-9F44-AADBF97A4A00}" destId="{D9B7D16F-7B53-42E1-9977-6266F3ECE94A}" srcOrd="1" destOrd="0" presId="urn:microsoft.com/office/officeart/2005/8/layout/orgChart1"/>
     <dgm:cxn modelId="{35679D8B-1D06-41B2-A245-C9B98C14562D}" type="presOf" srcId="{3058A150-8CE8-415A-A126-6151E90C31A2}" destId="{8228AFE6-53A3-4086-BE28-7772D6F5A162}" srcOrd="1" destOrd="0" presId="urn:microsoft.com/office/officeart/2005/8/layout/orgChart1"/>
     <dgm:cxn modelId="{6EEAD10D-662D-4776-B231-21E52B988961}" type="presOf" srcId="{3058A150-8CE8-415A-A126-6151E90C31A2}" destId="{C8D55184-A394-48E3-A09E-C68E6EE66F65}" srcOrd="0" destOrd="0" presId="urn:microsoft.com/office/officeart/2005/8/layout/orgChart1"/>
     <dgm:cxn modelId="{1C9BB8BD-EB27-499B-850F-3714AD8D1E47}" type="presOf" srcId="{C8171AF3-34EE-48CF-A8FD-680D9FF7B8FB}" destId="{86008366-0FB7-4C92-BDC6-FF1E05B2B85A}" srcOrd="0" destOrd="0" presId="urn:microsoft.com/office/officeart/2005/8/layout/orgChart1"/>
@@ -4559,8 +4660,8 @@
     <dgm:cxn modelId="{A7436675-1C27-4ABF-A28C-877DE64E4B86}" type="presOf" srcId="{4634B150-C299-4AF8-A25F-3C7753F8DBB1}" destId="{64B5EDB2-80C9-4CD2-BB49-46924D4B53C7}" srcOrd="0" destOrd="0" presId="urn:microsoft.com/office/officeart/2005/8/layout/orgChart1"/>
     <dgm:cxn modelId="{249BD61D-6821-43FA-90BF-FA945315962C}" type="presOf" srcId="{E60466CD-A350-46F4-9115-D04549983615}" destId="{13CD3C95-29DB-4D5E-83A4-DFDE319C8E8D}" srcOrd="1" destOrd="0" presId="urn:microsoft.com/office/officeart/2005/8/layout/orgChart1"/>
     <dgm:cxn modelId="{D700F8AE-07B1-4BBF-A1E4-E0D5E3E6C241}" type="presOf" srcId="{E701EEFF-1D15-4F43-AA48-B266F1BC78AF}" destId="{8EAA2FEE-DF21-4DA1-8122-94A2F3E3BFA9}" srcOrd="0" destOrd="0" presId="urn:microsoft.com/office/officeart/2005/8/layout/orgChart1"/>
+    <dgm:cxn modelId="{941F0072-CD5F-4D42-8E61-FEFF5512A292}" type="presOf" srcId="{85F688BE-7D54-4BD3-8D20-16D607238215}" destId="{5845D1F4-998D-4F53-BE72-834DBAB5C5F9}" srcOrd="0" destOrd="0" presId="urn:microsoft.com/office/officeart/2005/8/layout/orgChart1"/>
     <dgm:cxn modelId="{01AB1225-9B53-4FE2-9988-EA02C9F32388}" type="presOf" srcId="{6C487981-CDA8-4A90-B5F5-8FFE6CD45099}" destId="{01DDCAAB-6E36-42A0-A33F-5D5E08F34D51}" srcOrd="0" destOrd="0" presId="urn:microsoft.com/office/officeart/2005/8/layout/orgChart1"/>
-    <dgm:cxn modelId="{941F0072-CD5F-4D42-8E61-FEFF5512A292}" type="presOf" srcId="{85F688BE-7D54-4BD3-8D20-16D607238215}" destId="{5845D1F4-998D-4F53-BE72-834DBAB5C5F9}" srcOrd="0" destOrd="0" presId="urn:microsoft.com/office/officeart/2005/8/layout/orgChart1"/>
     <dgm:cxn modelId="{27500D67-3D2C-4AA8-976E-B315F13C6423}" srcId="{4A04A458-2E75-421E-B0F0-EB2EFD4306CB}" destId="{3058A150-8CE8-415A-A126-6151E90C31A2}" srcOrd="1" destOrd="0" parTransId="{3E7B209B-99E9-4732-8535-B6420FAA9EB0}" sibTransId="{F21090C5-D965-4178-A077-5A05A5EE5446}"/>
     <dgm:cxn modelId="{B5F0AB7F-B477-4AAB-B89E-5F5B3D61A09C}" type="presOf" srcId="{3173E8D3-AE31-4479-990E-A99923EAB414}" destId="{E7C11398-BA08-4CFB-A44E-F1542579EE80}" srcOrd="1" destOrd="0" presId="urn:microsoft.com/office/officeart/2005/8/layout/orgChart1"/>
     <dgm:cxn modelId="{3854563B-8D48-402E-BE67-26E97F5C26A2}" type="presOf" srcId="{3173E8D3-AE31-4479-990E-A99923EAB414}" destId="{0F224334-CA8E-458D-B951-DA775E6D701F}" srcOrd="0" destOrd="0" presId="urn:microsoft.com/office/officeart/2005/8/layout/orgChart1"/>
@@ -4592,6 +4693,7 @@
     <dgm:cxn modelId="{8121F5B5-EA9E-4237-8989-C31060853B4F}" type="presOf" srcId="{CEE6ED11-B48B-42D4-A022-C129ED93DE02}" destId="{50B9948C-7457-404E-ACF2-5F95D7658CD3}" srcOrd="1" destOrd="0" presId="urn:microsoft.com/office/officeart/2005/8/layout/orgChart1"/>
     <dgm:cxn modelId="{C18D07B1-1710-442F-B643-C2188AA2673D}" type="presOf" srcId="{0DEC7C12-E0D8-4AB2-B978-B1DABF257688}" destId="{E43385AA-4661-4C22-9B03-374E7C36019A}" srcOrd="1" destOrd="0" presId="urn:microsoft.com/office/officeart/2005/8/layout/orgChart1"/>
     <dgm:cxn modelId="{F3987790-7322-43B3-86D2-65B7F88A750D}" type="presOf" srcId="{883152E6-D741-49B6-8985-371A14C53B9C}" destId="{0E56C2AB-7141-4DAE-8D78-6062A02AF705}" srcOrd="1" destOrd="0" presId="urn:microsoft.com/office/officeart/2005/8/layout/orgChart1"/>
+    <dgm:cxn modelId="{CDA0552A-95FE-4690-9C96-E4085067C758}" type="presOf" srcId="{63151B52-80E1-4FEB-9C1A-76650C917B2D}" destId="{568343A3-F441-4510-8636-C6B58A7752A3}" srcOrd="0" destOrd="0" presId="urn:microsoft.com/office/officeart/2005/8/layout/orgChart1"/>
     <dgm:cxn modelId="{CC811AA6-28D5-4A54-87AD-76B119013EA5}" srcId="{E60466CD-A350-46F4-9115-D04549983615}" destId="{F8871FE8-01C7-46BD-858A-E423033E2A51}" srcOrd="1" destOrd="0" parTransId="{4BE5201E-8D76-488B-BA9A-3E26D7B163B8}" sibTransId="{42B02DA0-89E6-4AE1-91E3-9563DD04F7B7}"/>
     <dgm:cxn modelId="{5DEC91F3-52A0-4218-8787-BBF335BAA3E3}" srcId="{4A04A458-2E75-421E-B0F0-EB2EFD4306CB}" destId="{8CCB897D-0D51-49A7-B545-8E54140928D2}" srcOrd="0" destOrd="0" parTransId="{A3617491-3B4B-4223-9FC6-1D2C4F1E7D36}" sibTransId="{44183F37-D395-4DDF-B099-BDD0BFC89CCA}"/>
     <dgm:cxn modelId="{96F9A69D-BA47-45E5-B0EE-AD74838FB90D}" type="presOf" srcId="{4A04A458-2E75-421E-B0F0-EB2EFD4306CB}" destId="{EF3C0A90-A087-41DF-8176-41FE4F3AD08F}" srcOrd="0" destOrd="0" presId="urn:microsoft.com/office/officeart/2005/8/layout/orgChart1"/>
@@ -4631,6 +4733,13 @@
     <dgm:cxn modelId="{BA7D5252-58D8-41C2-9039-9D9D6C8EC50E}" type="presParOf" srcId="{224FE197-B53B-4472-BC08-D929C0D7D913}" destId="{8EE21C64-ED2D-4ACD-8536-1403221002CD}" srcOrd="1" destOrd="0" presId="urn:microsoft.com/office/officeart/2005/8/layout/orgChart1"/>
     <dgm:cxn modelId="{CE1B6E78-8E6E-429E-9631-FB51A119DCC9}" type="presParOf" srcId="{263813D1-6AA9-4041-8350-3564320B0389}" destId="{784B0258-3558-4C2D-9D06-7FBDEA1C37F8}" srcOrd="1" destOrd="0" presId="urn:microsoft.com/office/officeart/2005/8/layout/orgChart1"/>
     <dgm:cxn modelId="{55B01A20-5C9F-489B-8E4F-F53D394569B8}" type="presParOf" srcId="{263813D1-6AA9-4041-8350-3564320B0389}" destId="{C40D71AD-3D67-420F-B9D3-7E822FA58DC8}" srcOrd="2" destOrd="0" presId="urn:microsoft.com/office/officeart/2005/8/layout/orgChart1"/>
+    <dgm:cxn modelId="{6AA9F015-A772-49AD-929C-D58C8E66BEB4}" type="presParOf" srcId="{EC1D7D97-75AC-419A-88D7-6FF776F12AAA}" destId="{568343A3-F441-4510-8636-C6B58A7752A3}" srcOrd="6" destOrd="0" presId="urn:microsoft.com/office/officeart/2005/8/layout/orgChart1"/>
+    <dgm:cxn modelId="{B7D4323C-6F19-4E57-A321-D85B646F5352}" type="presParOf" srcId="{EC1D7D97-75AC-419A-88D7-6FF776F12AAA}" destId="{C404CF4B-14CA-42D2-8A03-1FA02898B9F2}" srcOrd="7" destOrd="0" presId="urn:microsoft.com/office/officeart/2005/8/layout/orgChart1"/>
+    <dgm:cxn modelId="{A96748E2-D6B8-409B-92CE-98150DCCB718}" type="presParOf" srcId="{C404CF4B-14CA-42D2-8A03-1FA02898B9F2}" destId="{75CF67D3-1622-4B79-B487-25AB987C21A0}" srcOrd="0" destOrd="0" presId="urn:microsoft.com/office/officeart/2005/8/layout/orgChart1"/>
+    <dgm:cxn modelId="{A7A380FE-716F-47EE-8B29-11B646778835}" type="presParOf" srcId="{75CF67D3-1622-4B79-B487-25AB987C21A0}" destId="{8145D83C-AEFC-472F-8B79-B8EC02F2395E}" srcOrd="0" destOrd="0" presId="urn:microsoft.com/office/officeart/2005/8/layout/orgChart1"/>
+    <dgm:cxn modelId="{448F4BCB-1FE2-434F-92FE-347964DBFF72}" type="presParOf" srcId="{75CF67D3-1622-4B79-B487-25AB987C21A0}" destId="{D9B7D16F-7B53-42E1-9977-6266F3ECE94A}" srcOrd="1" destOrd="0" presId="urn:microsoft.com/office/officeart/2005/8/layout/orgChart1"/>
+    <dgm:cxn modelId="{58DD9080-9A4E-458A-B22C-DF6667AA2455}" type="presParOf" srcId="{C404CF4B-14CA-42D2-8A03-1FA02898B9F2}" destId="{68F54085-095F-434E-B2BF-02DBB05ADA26}" srcOrd="1" destOrd="0" presId="urn:microsoft.com/office/officeart/2005/8/layout/orgChart1"/>
+    <dgm:cxn modelId="{7D8E45B7-5C77-4776-9CFD-215D295E99B4}" type="presParOf" srcId="{C404CF4B-14CA-42D2-8A03-1FA02898B9F2}" destId="{73F6F6AF-1DE5-4060-8B4C-9CB2E2E1BDBC}" srcOrd="2" destOrd="0" presId="urn:microsoft.com/office/officeart/2005/8/layout/orgChart1"/>
     <dgm:cxn modelId="{0DAC3A05-3C68-41CE-92F5-5249DE6E83A8}" type="presParOf" srcId="{8D629FDB-FF2F-44B6-8FB6-4101F16390AF}" destId="{E6A376EE-F366-4A9C-8919-A5134F63CCA8}" srcOrd="2" destOrd="0" presId="urn:microsoft.com/office/officeart/2005/8/layout/orgChart1"/>
     <dgm:cxn modelId="{648EA133-6059-4CF3-A022-B4F7F1E1036C}" type="presParOf" srcId="{94D58B70-920F-4902-80D3-B45422A45057}" destId="{BF6B03BC-EFA2-4DA3-B89A-96DBFD8249F0}" srcOrd="2" destOrd="0" presId="urn:microsoft.com/office/officeart/2005/8/layout/orgChart1"/>
     <dgm:cxn modelId="{189D3DF5-BCFF-41FD-A94C-864F33288B8B}" type="presParOf" srcId="{94D58B70-920F-4902-80D3-B45422A45057}" destId="{56A6DFD6-5DA8-429E-A78E-5EBA2BE6590C}" srcOrd="3" destOrd="0" presId="urn:microsoft.com/office/officeart/2005/8/layout/orgChart1"/>
@@ -6617,6 +6726,65 @@
         <a:fontRef idx="minor"/>
       </dsp:style>
     </dsp:sp>
+    <dsp:sp modelId="{568343A3-F441-4510-8636-C6B58A7752A3}">
+      <dsp:nvSpPr>
+        <dsp:cNvPr id="0" name=""/>
+        <dsp:cNvSpPr/>
+      </dsp:nvSpPr>
+      <dsp:spPr>
+        <a:xfrm>
+          <a:off x="616483" y="1639633"/>
+          <a:ext cx="127945" cy="2209195"/>
+        </a:xfrm>
+        <a:custGeom>
+          <a:avLst/>
+          <a:gdLst/>
+          <a:ahLst/>
+          <a:cxnLst/>
+          <a:rect l="0" t="0" r="0" b="0"/>
+          <a:pathLst>
+            <a:path>
+              <a:moveTo>
+                <a:pt x="0" y="0"/>
+              </a:moveTo>
+              <a:lnTo>
+                <a:pt x="0" y="2209195"/>
+              </a:lnTo>
+              <a:lnTo>
+                <a:pt x="127945" y="2209195"/>
+              </a:lnTo>
+            </a:path>
+          </a:pathLst>
+        </a:custGeom>
+        <a:noFill/>
+        <a:ln w="12700" cap="flat" cmpd="sng" algn="ctr">
+          <a:solidFill>
+            <a:schemeClr val="accent1">
+              <a:shade val="80000"/>
+              <a:hueOff val="0"/>
+              <a:satOff val="0"/>
+              <a:lumOff val="0"/>
+              <a:alphaOff val="0"/>
+            </a:schemeClr>
+          </a:solidFill>
+          <a:prstDash val="solid"/>
+          <a:miter lim="800000"/>
+        </a:ln>
+        <a:effectLst/>
+      </dsp:spPr>
+      <dsp:style>
+        <a:lnRef idx="2">
+          <a:scrgbClr r="0" g="0" b="0"/>
+        </a:lnRef>
+        <a:fillRef idx="0">
+          <a:scrgbClr r="0" g="0" b="0"/>
+        </a:fillRef>
+        <a:effectRef idx="0">
+          <a:scrgbClr r="0" g="0" b="0"/>
+        </a:effectRef>
+        <a:fontRef idx="minor"/>
+      </dsp:style>
+    </dsp:sp>
     <dsp:sp modelId="{D688C61D-FD02-4BF4-9CE9-F1E80F9EE4FF}">
       <dsp:nvSpPr>
         <dsp:cNvPr id="0" name=""/>
@@ -7236,13 +7404,95 @@
           </a:pPr>
           <a:r>
             <a:rPr lang="zh-CN" altLang="en-US" sz="1000" kern="1200" dirty="0" smtClean="0"/>
-            <a:t>创客导师培训</a:t>
+            <a:t>创客导师</a:t>
           </a:r>
-          <a:endParaRPr lang="zh-CN" altLang="en-US" sz="1000" kern="1200" dirty="0"/>
+          <a:r>
+            <a:rPr lang="zh-CN" altLang="en-US" sz="1000" kern="1200" dirty="0" smtClean="0"/>
+            <a:t>培训</a:t>
+          </a:r>
+          <a:endParaRPr lang="en-US" altLang="zh-CN" sz="1000" kern="1200" dirty="0" smtClean="0"/>
         </a:p>
       </dsp:txBody>
       <dsp:txXfrm>
         <a:off x="744428" y="3029976"/>
+        <a:ext cx="852971" cy="426485"/>
+      </dsp:txXfrm>
+    </dsp:sp>
+    <dsp:sp modelId="{8145D83C-AEFC-472F-8B79-B8EC02F2395E}">
+      <dsp:nvSpPr>
+        <dsp:cNvPr id="0" name=""/>
+        <dsp:cNvSpPr/>
+      </dsp:nvSpPr>
+      <dsp:spPr>
+        <a:xfrm>
+          <a:off x="744428" y="3635585"/>
+          <a:ext cx="852971" cy="426485"/>
+        </a:xfrm>
+        <a:prstGeom prst="rect">
+          <a:avLst/>
+        </a:prstGeom>
+        <a:solidFill>
+          <a:schemeClr val="accent1">
+            <a:hueOff val="0"/>
+            <a:satOff val="0"/>
+            <a:lumOff val="0"/>
+            <a:alphaOff val="0"/>
+          </a:schemeClr>
+        </a:solidFill>
+        <a:ln w="12700" cap="flat" cmpd="sng" algn="ctr">
+          <a:solidFill>
+            <a:schemeClr val="lt1">
+              <a:hueOff val="0"/>
+              <a:satOff val="0"/>
+              <a:lumOff val="0"/>
+              <a:alphaOff val="0"/>
+            </a:schemeClr>
+          </a:solidFill>
+          <a:prstDash val="solid"/>
+          <a:miter lim="800000"/>
+        </a:ln>
+        <a:effectLst/>
+      </dsp:spPr>
+      <dsp:style>
+        <a:lnRef idx="2">
+          <a:scrgbClr r="0" g="0" b="0"/>
+        </a:lnRef>
+        <a:fillRef idx="1">
+          <a:scrgbClr r="0" g="0" b="0"/>
+        </a:fillRef>
+        <a:effectRef idx="0">
+          <a:scrgbClr r="0" g="0" b="0"/>
+        </a:effectRef>
+        <a:fontRef idx="minor">
+          <a:schemeClr val="lt1"/>
+        </a:fontRef>
+      </dsp:style>
+      <dsp:txBody>
+        <a:bodyPr spcFirstLastPara="0" vert="horz" wrap="square" lIns="6350" tIns="6350" rIns="6350" bIns="6350" numCol="1" spcCol="1270" anchor="ctr" anchorCtr="0">
+          <a:noAutofit/>
+        </a:bodyPr>
+        <a:lstStyle/>
+        <a:p>
+          <a:pPr lvl="0" algn="ctr" defTabSz="444500">
+            <a:lnSpc>
+              <a:spcPct val="90000"/>
+            </a:lnSpc>
+            <a:spcBef>
+              <a:spcPct val="0"/>
+            </a:spcBef>
+            <a:spcAft>
+              <a:spcPct val="35000"/>
+            </a:spcAft>
+          </a:pPr>
+          <a:r>
+            <a:rPr lang="zh-CN" altLang="en-US" sz="1000" kern="1200" dirty="0" smtClean="0"/>
+            <a:t>标准流程开发</a:t>
+          </a:r>
+          <a:endParaRPr lang="en-US" altLang="zh-CN" sz="1000" kern="1200" dirty="0" smtClean="0"/>
+        </a:p>
+      </dsp:txBody>
+      <dsp:txXfrm>
+        <a:off x="744428" y="3635585"/>
         <a:ext cx="852971" cy="426485"/>
       </dsp:txXfrm>
     </dsp:sp>
@@ -7626,11 +7876,7 @@
           </a:pPr>
           <a:r>
             <a:rPr lang="zh-CN" altLang="en-US" sz="1000" kern="1200" dirty="0" smtClean="0"/>
-            <a:t>媒体</a:t>
-          </a:r>
-          <a:r>
-            <a:rPr lang="zh-CN" altLang="en-US" sz="1000" kern="1200" dirty="0" smtClean="0"/>
-            <a:t>内容制作</a:t>
+            <a:t>媒体内容制作</a:t>
           </a:r>
           <a:endParaRPr lang="zh-CN" altLang="en-US" sz="1000" kern="1200" dirty="0"/>
         </a:p>
@@ -8566,7 +8812,11 @@
           </a:pPr>
           <a:r>
             <a:rPr lang="zh-CN" altLang="en-US" sz="1000" kern="1200" dirty="0" smtClean="0"/>
-            <a:t>行政办公室</a:t>
+            <a:t>行政</a:t>
+          </a:r>
+          <a:r>
+            <a:rPr lang="zh-CN" altLang="en-US" sz="1000" kern="1200" dirty="0" smtClean="0"/>
+            <a:t>办公</a:t>
           </a:r>
           <a:endParaRPr lang="zh-CN" altLang="en-US" sz="1000" kern="1200" dirty="0"/>
         </a:p>
@@ -15393,7 +15643,7 @@
           <a:p>
             <a:fld id="{408926B9-0AE9-4841-8807-A52893CAC8ED}" type="datetimeFigureOut">
               <a:rPr lang="zh-CN" altLang="en-US" smtClean="0"/>
-              <a:t>2014/5/30</a:t>
+              <a:t>2014/6/3</a:t>
             </a:fld>
             <a:endParaRPr lang="zh-CN" altLang="en-US"/>
           </a:p>
@@ -15563,7 +15813,7 @@
           <a:p>
             <a:fld id="{408926B9-0AE9-4841-8807-A52893CAC8ED}" type="datetimeFigureOut">
               <a:rPr lang="zh-CN" altLang="en-US" smtClean="0"/>
-              <a:t>2014/5/30</a:t>
+              <a:t>2014/6/3</a:t>
             </a:fld>
             <a:endParaRPr lang="zh-CN" altLang="en-US"/>
           </a:p>
@@ -15743,7 +15993,7 @@
           <a:p>
             <a:fld id="{408926B9-0AE9-4841-8807-A52893CAC8ED}" type="datetimeFigureOut">
               <a:rPr lang="zh-CN" altLang="en-US" smtClean="0"/>
-              <a:t>2014/5/30</a:t>
+              <a:t>2014/6/3</a:t>
             </a:fld>
             <a:endParaRPr lang="zh-CN" altLang="en-US"/>
           </a:p>
@@ -15913,7 +16163,7 @@
           <a:p>
             <a:fld id="{408926B9-0AE9-4841-8807-A52893CAC8ED}" type="datetimeFigureOut">
               <a:rPr lang="zh-CN" altLang="en-US" smtClean="0"/>
-              <a:t>2014/5/30</a:t>
+              <a:t>2014/6/3</a:t>
             </a:fld>
             <a:endParaRPr lang="zh-CN" altLang="en-US"/>
           </a:p>
@@ -16157,7 +16407,7 @@
           <a:p>
             <a:fld id="{408926B9-0AE9-4841-8807-A52893CAC8ED}" type="datetimeFigureOut">
               <a:rPr lang="zh-CN" altLang="en-US" smtClean="0"/>
-              <a:t>2014/5/30</a:t>
+              <a:t>2014/6/3</a:t>
             </a:fld>
             <a:endParaRPr lang="zh-CN" altLang="en-US"/>
           </a:p>
@@ -16389,7 +16639,7 @@
           <a:p>
             <a:fld id="{408926B9-0AE9-4841-8807-A52893CAC8ED}" type="datetimeFigureOut">
               <a:rPr lang="zh-CN" altLang="en-US" smtClean="0"/>
-              <a:t>2014/5/30</a:t>
+              <a:t>2014/6/3</a:t>
             </a:fld>
             <a:endParaRPr lang="zh-CN" altLang="en-US"/>
           </a:p>
@@ -16756,7 +17006,7 @@
           <a:p>
             <a:fld id="{408926B9-0AE9-4841-8807-A52893CAC8ED}" type="datetimeFigureOut">
               <a:rPr lang="zh-CN" altLang="en-US" smtClean="0"/>
-              <a:t>2014/5/30</a:t>
+              <a:t>2014/6/3</a:t>
             </a:fld>
             <a:endParaRPr lang="zh-CN" altLang="en-US"/>
           </a:p>
@@ -16874,7 +17124,7 @@
           <a:p>
             <a:fld id="{408926B9-0AE9-4841-8807-A52893CAC8ED}" type="datetimeFigureOut">
               <a:rPr lang="zh-CN" altLang="en-US" smtClean="0"/>
-              <a:t>2014/5/30</a:t>
+              <a:t>2014/6/3</a:t>
             </a:fld>
             <a:endParaRPr lang="zh-CN" altLang="en-US"/>
           </a:p>
@@ -16969,7 +17219,7 @@
           <a:p>
             <a:fld id="{408926B9-0AE9-4841-8807-A52893CAC8ED}" type="datetimeFigureOut">
               <a:rPr lang="zh-CN" altLang="en-US" smtClean="0"/>
-              <a:t>2014/5/30</a:t>
+              <a:t>2014/6/3</a:t>
             </a:fld>
             <a:endParaRPr lang="zh-CN" altLang="en-US"/>
           </a:p>
@@ -17246,7 +17496,7 @@
           <a:p>
             <a:fld id="{408926B9-0AE9-4841-8807-A52893CAC8ED}" type="datetimeFigureOut">
               <a:rPr lang="zh-CN" altLang="en-US" smtClean="0"/>
-              <a:t>2014/5/30</a:t>
+              <a:t>2014/6/3</a:t>
             </a:fld>
             <a:endParaRPr lang="zh-CN" altLang="en-US"/>
           </a:p>
@@ -17503,7 +17753,7 @@
           <a:p>
             <a:fld id="{408926B9-0AE9-4841-8807-A52893CAC8ED}" type="datetimeFigureOut">
               <a:rPr lang="zh-CN" altLang="en-US" smtClean="0"/>
-              <a:t>2014/5/30</a:t>
+              <a:t>2014/6/3</a:t>
             </a:fld>
             <a:endParaRPr lang="zh-CN" altLang="en-US"/>
           </a:p>
@@ -17716,7 +17966,7 @@
           <a:p>
             <a:fld id="{408926B9-0AE9-4841-8807-A52893CAC8ED}" type="datetimeFigureOut">
               <a:rPr lang="zh-CN" altLang="en-US" smtClean="0"/>
-              <a:t>2014/5/30</a:t>
+              <a:t>2014/6/3</a:t>
             </a:fld>
             <a:endParaRPr lang="zh-CN" altLang="en-US"/>
           </a:p>
@@ -18386,6 +18636,301 @@
           </a:p>
         </p:txBody>
       </p:sp>
+      <p:sp>
+        <p:nvSpPr>
+          <p:cNvPr id="10" name="Rounded Rectangle 9"/>
+          <p:cNvSpPr/>
+          <p:nvPr/>
+        </p:nvSpPr>
+        <p:spPr>
+          <a:xfrm>
+            <a:off x="7324436" y="2295236"/>
+            <a:ext cx="1634837" cy="554181"/>
+          </a:xfrm>
+          <a:prstGeom prst="roundRect">
+            <a:avLst/>
+          </a:prstGeom>
+          <a:solidFill>
+            <a:schemeClr val="accent1">
+              <a:lumMod val="60000"/>
+              <a:lumOff val="40000"/>
+            </a:schemeClr>
+          </a:solidFill>
+        </p:spPr>
+        <p:style>
+          <a:lnRef idx="2">
+            <a:schemeClr val="accent1">
+              <a:shade val="50000"/>
+            </a:schemeClr>
+          </a:lnRef>
+          <a:fillRef idx="1">
+            <a:schemeClr val="accent1"/>
+          </a:fillRef>
+          <a:effectRef idx="0">
+            <a:schemeClr val="accent1"/>
+          </a:effectRef>
+          <a:fontRef idx="minor">
+            <a:schemeClr val="lt1"/>
+          </a:fontRef>
+        </p:style>
+        <p:txBody>
+          <a:bodyPr rtlCol="0" anchor="ctr"/>
+          <a:lstStyle/>
+          <a:p>
+            <a:pPr algn="ctr"/>
+            <a:r>
+              <a:rPr lang="zh-CN" altLang="en-US" sz="1200" dirty="0" smtClean="0">
+                <a:solidFill>
+                  <a:sysClr val="windowText" lastClr="000000"/>
+                </a:solidFill>
+              </a:rPr>
+              <a:t>技能型辅导人员</a:t>
+            </a:r>
+            <a:endParaRPr lang="zh-CN" altLang="en-US" sz="1200" dirty="0">
+              <a:solidFill>
+                <a:sysClr val="windowText" lastClr="000000"/>
+              </a:solidFill>
+            </a:endParaRPr>
+          </a:p>
+        </p:txBody>
+      </p:sp>
+      <p:sp>
+        <p:nvSpPr>
+          <p:cNvPr id="11" name="Rounded Rectangle 10"/>
+          <p:cNvSpPr/>
+          <p:nvPr/>
+        </p:nvSpPr>
+        <p:spPr>
+          <a:xfrm>
+            <a:off x="7324436" y="2932545"/>
+            <a:ext cx="1634837" cy="554181"/>
+          </a:xfrm>
+          <a:prstGeom prst="roundRect">
+            <a:avLst/>
+          </a:prstGeom>
+          <a:solidFill>
+            <a:schemeClr val="accent1">
+              <a:lumMod val="60000"/>
+              <a:lumOff val="40000"/>
+            </a:schemeClr>
+          </a:solidFill>
+        </p:spPr>
+        <p:style>
+          <a:lnRef idx="2">
+            <a:schemeClr val="accent1">
+              <a:shade val="50000"/>
+            </a:schemeClr>
+          </a:lnRef>
+          <a:fillRef idx="1">
+            <a:schemeClr val="accent1"/>
+          </a:fillRef>
+          <a:effectRef idx="0">
+            <a:schemeClr val="accent1"/>
+          </a:effectRef>
+          <a:fontRef idx="minor">
+            <a:schemeClr val="lt1"/>
+          </a:fontRef>
+        </p:style>
+        <p:txBody>
+          <a:bodyPr rtlCol="0" anchor="ctr"/>
+          <a:lstStyle/>
+          <a:p>
+            <a:pPr algn="ctr"/>
+            <a:r>
+              <a:rPr lang="zh-CN" altLang="en-US" sz="1200" dirty="0" smtClean="0">
+                <a:solidFill>
+                  <a:sysClr val="windowText" lastClr="000000"/>
+                </a:solidFill>
+              </a:rPr>
+              <a:t>工程</a:t>
+            </a:r>
+            <a:r>
+              <a:rPr lang="zh-CN" altLang="en-US" sz="1200" dirty="0">
+                <a:solidFill>
+                  <a:sysClr val="windowText" lastClr="000000"/>
+                </a:solidFill>
+              </a:rPr>
+              <a:t>实验</a:t>
+            </a:r>
+            <a:r>
+              <a:rPr lang="zh-CN" altLang="en-US" sz="1200" dirty="0" smtClean="0">
+                <a:solidFill>
+                  <a:sysClr val="windowText" lastClr="000000"/>
+                </a:solidFill>
+              </a:rPr>
+              <a:t>技术人员</a:t>
+            </a:r>
+            <a:endParaRPr lang="zh-CN" altLang="en-US" sz="1200" dirty="0">
+              <a:solidFill>
+                <a:sysClr val="windowText" lastClr="000000"/>
+              </a:solidFill>
+            </a:endParaRPr>
+          </a:p>
+        </p:txBody>
+      </p:sp>
+      <p:sp>
+        <p:nvSpPr>
+          <p:cNvPr id="12" name="Rounded Rectangle 11"/>
+          <p:cNvSpPr/>
+          <p:nvPr/>
+        </p:nvSpPr>
+        <p:spPr>
+          <a:xfrm>
+            <a:off x="7324436" y="3569854"/>
+            <a:ext cx="1634837" cy="554181"/>
+          </a:xfrm>
+          <a:prstGeom prst="roundRect">
+            <a:avLst/>
+          </a:prstGeom>
+          <a:solidFill>
+            <a:schemeClr val="accent1">
+              <a:lumMod val="60000"/>
+              <a:lumOff val="40000"/>
+            </a:schemeClr>
+          </a:solidFill>
+        </p:spPr>
+        <p:style>
+          <a:lnRef idx="2">
+            <a:schemeClr val="accent1">
+              <a:shade val="50000"/>
+            </a:schemeClr>
+          </a:lnRef>
+          <a:fillRef idx="1">
+            <a:schemeClr val="accent1"/>
+          </a:fillRef>
+          <a:effectRef idx="0">
+            <a:schemeClr val="accent1"/>
+          </a:effectRef>
+          <a:fontRef idx="minor">
+            <a:schemeClr val="lt1"/>
+          </a:fontRef>
+        </p:style>
+        <p:txBody>
+          <a:bodyPr rtlCol="0" anchor="ctr"/>
+          <a:lstStyle/>
+          <a:p>
+            <a:pPr algn="ctr"/>
+            <a:r>
+              <a:rPr lang="zh-CN" altLang="en-US" sz="1200" dirty="0" smtClean="0">
+                <a:solidFill>
+                  <a:sysClr val="windowText" lastClr="000000"/>
+                </a:solidFill>
+              </a:rPr>
+              <a:t>专兼结合创客导师</a:t>
+            </a:r>
+            <a:endParaRPr lang="zh-CN" altLang="en-US" sz="1200" dirty="0">
+              <a:solidFill>
+                <a:sysClr val="windowText" lastClr="000000"/>
+              </a:solidFill>
+            </a:endParaRPr>
+          </a:p>
+        </p:txBody>
+      </p:sp>
+      <p:cxnSp>
+        <p:nvCxnSpPr>
+          <p:cNvPr id="14" name="Elbow Connector 13"/>
+          <p:cNvCxnSpPr>
+            <a:stCxn id="6" idx="3"/>
+            <a:endCxn id="10" idx="1"/>
+          </p:cNvCxnSpPr>
+          <p:nvPr/>
+        </p:nvCxnSpPr>
+        <p:spPr>
+          <a:xfrm flipV="1">
+            <a:off x="7042727" y="2572327"/>
+            <a:ext cx="281709" cy="577273"/>
+          </a:xfrm>
+          <a:prstGeom prst="bentConnector3">
+            <a:avLst>
+              <a:gd name="adj1" fmla="val 50000"/>
+            </a:avLst>
+          </a:prstGeom>
+        </p:spPr>
+        <p:style>
+          <a:lnRef idx="1">
+            <a:schemeClr val="accent1"/>
+          </a:lnRef>
+          <a:fillRef idx="0">
+            <a:schemeClr val="accent1"/>
+          </a:fillRef>
+          <a:effectRef idx="0">
+            <a:schemeClr val="accent1"/>
+          </a:effectRef>
+          <a:fontRef idx="minor">
+            <a:schemeClr val="tx1"/>
+          </a:fontRef>
+        </p:style>
+      </p:cxnSp>
+      <p:cxnSp>
+        <p:nvCxnSpPr>
+          <p:cNvPr id="16" name="Elbow Connector 15"/>
+          <p:cNvCxnSpPr>
+            <a:stCxn id="6" idx="3"/>
+            <a:endCxn id="11" idx="1"/>
+          </p:cNvCxnSpPr>
+          <p:nvPr/>
+        </p:nvCxnSpPr>
+        <p:spPr>
+          <a:xfrm>
+            <a:off x="7042727" y="3149600"/>
+            <a:ext cx="281709" cy="60036"/>
+          </a:xfrm>
+          <a:prstGeom prst="bentConnector3">
+            <a:avLst>
+              <a:gd name="adj1" fmla="val 50000"/>
+            </a:avLst>
+          </a:prstGeom>
+        </p:spPr>
+        <p:style>
+          <a:lnRef idx="1">
+            <a:schemeClr val="accent1"/>
+          </a:lnRef>
+          <a:fillRef idx="0">
+            <a:schemeClr val="accent1"/>
+          </a:fillRef>
+          <a:effectRef idx="0">
+            <a:schemeClr val="accent1"/>
+          </a:effectRef>
+          <a:fontRef idx="minor">
+            <a:schemeClr val="tx1"/>
+          </a:fontRef>
+        </p:style>
+      </p:cxnSp>
+      <p:cxnSp>
+        <p:nvCxnSpPr>
+          <p:cNvPr id="17" name="Elbow Connector 16"/>
+          <p:cNvCxnSpPr>
+            <a:stCxn id="6" idx="3"/>
+            <a:endCxn id="12" idx="1"/>
+          </p:cNvCxnSpPr>
+          <p:nvPr/>
+        </p:nvCxnSpPr>
+        <p:spPr>
+          <a:xfrm>
+            <a:off x="7042727" y="3149600"/>
+            <a:ext cx="281709" cy="697345"/>
+          </a:xfrm>
+          <a:prstGeom prst="bentConnector3">
+            <a:avLst>
+              <a:gd name="adj1" fmla="val 50000"/>
+            </a:avLst>
+          </a:prstGeom>
+        </p:spPr>
+        <p:style>
+          <a:lnRef idx="1">
+            <a:schemeClr val="accent1"/>
+          </a:lnRef>
+          <a:fillRef idx="0">
+            <a:schemeClr val="accent1"/>
+          </a:fillRef>
+          <a:effectRef idx="0">
+            <a:schemeClr val="accent1"/>
+          </a:effectRef>
+          <a:fontRef idx="minor">
+            <a:schemeClr val="tx1"/>
+          </a:fontRef>
+        </p:style>
+      </p:cxnSp>
     </p:spTree>
     <p:extLst>
       <p:ext uri="{BB962C8B-B14F-4D97-AF65-F5344CB8AC3E}">
@@ -18454,7 +18999,7 @@
           <p:nvPr>
             <p:extLst>
               <p:ext uri="{D42A27DB-BD31-4B8C-83A1-F6EECF244321}">
-                <p14:modId xmlns:p14="http://schemas.microsoft.com/office/powerpoint/2010/main" val="2257617328"/>
+                <p14:modId xmlns:p14="http://schemas.microsoft.com/office/powerpoint/2010/main" val="3729846542"/>
               </p:ext>
             </p:extLst>
           </p:nvPr>
@@ -18469,6 +19014,36 @@
           </a:graphicData>
         </a:graphic>
       </p:graphicFrame>
+      <p:sp>
+        <p:nvSpPr>
+          <p:cNvPr id="4" name="TextBox 3"/>
+          <p:cNvSpPr txBox="1"/>
+          <p:nvPr/>
+        </p:nvSpPr>
+        <p:spPr>
+          <a:xfrm>
+            <a:off x="628649" y="6262255"/>
+            <a:ext cx="7222259" cy="246221"/>
+          </a:xfrm>
+          <a:prstGeom prst="rect">
+            <a:avLst/>
+          </a:prstGeom>
+          <a:noFill/>
+        </p:spPr>
+        <p:txBody>
+          <a:bodyPr wrap="square" rtlCol="0">
+            <a:spAutoFit/>
+          </a:bodyPr>
+          <a:lstStyle/>
+          <a:p>
+            <a:r>
+              <a:rPr lang="zh-CN" altLang="en-US" sz="1000" dirty="0" smtClean="0"/>
+              <a:t>*本表示意创客空间运行所需职能岗位，可以由训练中心、学生社团等现有单位人员兼任，也可新聘请专职人员负责。</a:t>
+            </a:r>
+            <a:endParaRPr lang="zh-CN" altLang="en-US" sz="1000" dirty="0"/>
+          </a:p>
+        </p:txBody>
+      </p:sp>
     </p:spTree>
     <p:extLst>
       <p:ext uri="{BB962C8B-B14F-4D97-AF65-F5344CB8AC3E}">
@@ -18553,19 +19128,7 @@
             </a:r>
             <a:r>
               <a:rPr lang="zh-CN" altLang="en-US" sz="1800" dirty="0" smtClean="0"/>
-              <a:t>进一步完善空间运行模式、课程</a:t>
-            </a:r>
-            <a:r>
-              <a:rPr lang="zh-CN" altLang="en-US" sz="1800" dirty="0" smtClean="0"/>
-              <a:t>架构</a:t>
-            </a:r>
-            <a:r>
-              <a:rPr lang="zh-CN" altLang="en-US" sz="1800" dirty="0" smtClean="0"/>
-              <a:t>、设计课程</a:t>
-            </a:r>
-            <a:r>
-              <a:rPr lang="zh-CN" altLang="en-US" sz="1800" dirty="0" smtClean="0"/>
-              <a:t>内容</a:t>
+              <a:t>进一步完善空间运行模式、课程架构、设计课程内容</a:t>
             </a:r>
             <a:endParaRPr lang="en-US" altLang="zh-CN" sz="1800" dirty="0" smtClean="0"/>
           </a:p>
@@ -18680,11 +19243,7 @@
             </a:r>
             <a:r>
               <a:rPr lang="zh-CN" altLang="en-US" sz="1600" dirty="0" smtClean="0"/>
-              <a:t>三创</a:t>
-            </a:r>
-            <a:r>
-              <a:rPr lang="zh-CN" altLang="en-US" sz="1600" dirty="0" smtClean="0"/>
-              <a:t>空间校园推广活动（路演、创客文化节等）</a:t>
+              <a:t>三创空间校园推广活动（路演、创客文化节等）</a:t>
             </a:r>
             <a:endParaRPr lang="en-US" altLang="zh-CN" sz="1600" dirty="0" smtClean="0"/>
           </a:p>
@@ -18715,11 +19274,7 @@
             </a:r>
             <a:r>
               <a:rPr lang="zh-CN" altLang="en-US" sz="1800" dirty="0" smtClean="0"/>
-              <a:t>创及创客</a:t>
-            </a:r>
-            <a:r>
-              <a:rPr lang="zh-CN" altLang="en-US" sz="1800" dirty="0" smtClean="0"/>
-              <a:t>活动</a:t>
+              <a:t>创及创客活动</a:t>
             </a:r>
             <a:endParaRPr lang="en-US" altLang="zh-CN" sz="1800" dirty="0" smtClean="0"/>
           </a:p>

--- a/训练中心创客交叉融合空间建设/doc/创客融合空间组织架构-中期计划.pptx
+++ b/训练中心创客交叉融合空间建设/doc/创客融合空间组织架构-中期计划.pptx
@@ -8,6 +8,7 @@
     <p:sldId id="277" r:id="rId2"/>
     <p:sldId id="278" r:id="rId3"/>
     <p:sldId id="279" r:id="rId4"/>
+    <p:sldId id="280" r:id="rId5"/>
   </p:sldIdLst>
   <p:sldSz cx="9144000" cy="6858000" type="screen4x3"/>
   <p:notesSz cx="6858000" cy="9144000"/>
@@ -2213,11 +2214,7 @@
         <a:p>
           <a:r>
             <a:rPr lang="zh-CN" altLang="en-US" sz="1000" dirty="0" smtClean="0"/>
-            <a:t>行政</a:t>
-          </a:r>
-          <a:r>
-            <a:rPr lang="zh-CN" altLang="en-US" sz="1000" dirty="0" smtClean="0"/>
-            <a:t>办公</a:t>
+            <a:t>行政办公</a:t>
           </a:r>
           <a:endParaRPr lang="zh-CN" altLang="en-US" sz="1000" dirty="0"/>
         </a:p>
@@ -2846,11 +2843,7 @@
         <a:p>
           <a:r>
             <a:rPr lang="zh-CN" altLang="en-US" sz="1000" dirty="0" smtClean="0"/>
-            <a:t>创客导师</a:t>
-          </a:r>
-          <a:r>
-            <a:rPr lang="zh-CN" altLang="en-US" sz="1000" dirty="0" smtClean="0"/>
-            <a:t>培训</a:t>
+            <a:t>创客导师培训</a:t>
           </a:r>
           <a:endParaRPr lang="en-US" altLang="zh-CN" sz="1000" dirty="0" smtClean="0"/>
         </a:p>
@@ -3278,6 +3271,13 @@
     <dgm:pt modelId="{568343A3-F441-4510-8636-C6B58A7752A3}" type="pres">
       <dgm:prSet presAssocID="{63151B52-80E1-4FEB-9C1A-76650C917B2D}" presName="Name37" presStyleLbl="parChTrans1D3" presStyleIdx="3" presStyleCnt="18"/>
       <dgm:spPr/>
+      <dgm:t>
+        <a:bodyPr/>
+        <a:lstStyle/>
+        <a:p>
+          <a:endParaRPr lang="zh-CN" altLang="en-US"/>
+        </a:p>
+      </dgm:t>
     </dgm:pt>
     <dgm:pt modelId="{C404CF4B-14CA-42D2-8A03-1FA02898B9F2}" type="pres">
       <dgm:prSet presAssocID="{9AE2FAA4-048B-404A-9F44-AADBF97A4A00}" presName="hierRoot2" presStyleCnt="0">
@@ -7404,11 +7404,7 @@
           </a:pPr>
           <a:r>
             <a:rPr lang="zh-CN" altLang="en-US" sz="1000" kern="1200" dirty="0" smtClean="0"/>
-            <a:t>创客导师</a:t>
-          </a:r>
-          <a:r>
-            <a:rPr lang="zh-CN" altLang="en-US" sz="1000" kern="1200" dirty="0" smtClean="0"/>
-            <a:t>培训</a:t>
+            <a:t>创客导师培训</a:t>
           </a:r>
           <a:endParaRPr lang="en-US" altLang="zh-CN" sz="1000" kern="1200" dirty="0" smtClean="0"/>
         </a:p>
@@ -8812,11 +8808,7 @@
           </a:pPr>
           <a:r>
             <a:rPr lang="zh-CN" altLang="en-US" sz="1000" kern="1200" dirty="0" smtClean="0"/>
-            <a:t>行政</a:t>
-          </a:r>
-          <a:r>
-            <a:rPr lang="zh-CN" altLang="en-US" sz="1000" kern="1200" dirty="0" smtClean="0"/>
-            <a:t>办公</a:t>
+            <a:t>行政办公</a:t>
           </a:r>
           <a:endParaRPr lang="zh-CN" altLang="en-US" sz="1000" kern="1200" dirty="0"/>
         </a:p>
@@ -15643,7 +15635,7 @@
           <a:p>
             <a:fld id="{408926B9-0AE9-4841-8807-A52893CAC8ED}" type="datetimeFigureOut">
               <a:rPr lang="zh-CN" altLang="en-US" smtClean="0"/>
-              <a:t>2014/6/3</a:t>
+              <a:t>2014/6/8</a:t>
             </a:fld>
             <a:endParaRPr lang="zh-CN" altLang="en-US"/>
           </a:p>
@@ -15813,7 +15805,7 @@
           <a:p>
             <a:fld id="{408926B9-0AE9-4841-8807-A52893CAC8ED}" type="datetimeFigureOut">
               <a:rPr lang="zh-CN" altLang="en-US" smtClean="0"/>
-              <a:t>2014/6/3</a:t>
+              <a:t>2014/6/8</a:t>
             </a:fld>
             <a:endParaRPr lang="zh-CN" altLang="en-US"/>
           </a:p>
@@ -15993,7 +15985,7 @@
           <a:p>
             <a:fld id="{408926B9-0AE9-4841-8807-A52893CAC8ED}" type="datetimeFigureOut">
               <a:rPr lang="zh-CN" altLang="en-US" smtClean="0"/>
-              <a:t>2014/6/3</a:t>
+              <a:t>2014/6/8</a:t>
             </a:fld>
             <a:endParaRPr lang="zh-CN" altLang="en-US"/>
           </a:p>
@@ -16163,7 +16155,7 @@
           <a:p>
             <a:fld id="{408926B9-0AE9-4841-8807-A52893CAC8ED}" type="datetimeFigureOut">
               <a:rPr lang="zh-CN" altLang="en-US" smtClean="0"/>
-              <a:t>2014/6/3</a:t>
+              <a:t>2014/6/8</a:t>
             </a:fld>
             <a:endParaRPr lang="zh-CN" altLang="en-US"/>
           </a:p>
@@ -16407,7 +16399,7 @@
           <a:p>
             <a:fld id="{408926B9-0AE9-4841-8807-A52893CAC8ED}" type="datetimeFigureOut">
               <a:rPr lang="zh-CN" altLang="en-US" smtClean="0"/>
-              <a:t>2014/6/3</a:t>
+              <a:t>2014/6/8</a:t>
             </a:fld>
             <a:endParaRPr lang="zh-CN" altLang="en-US"/>
           </a:p>
@@ -16639,7 +16631,7 @@
           <a:p>
             <a:fld id="{408926B9-0AE9-4841-8807-A52893CAC8ED}" type="datetimeFigureOut">
               <a:rPr lang="zh-CN" altLang="en-US" smtClean="0"/>
-              <a:t>2014/6/3</a:t>
+              <a:t>2014/6/8</a:t>
             </a:fld>
             <a:endParaRPr lang="zh-CN" altLang="en-US"/>
           </a:p>
@@ -17006,7 +16998,7 @@
           <a:p>
             <a:fld id="{408926B9-0AE9-4841-8807-A52893CAC8ED}" type="datetimeFigureOut">
               <a:rPr lang="zh-CN" altLang="en-US" smtClean="0"/>
-              <a:t>2014/6/3</a:t>
+              <a:t>2014/6/8</a:t>
             </a:fld>
             <a:endParaRPr lang="zh-CN" altLang="en-US"/>
           </a:p>
@@ -17124,7 +17116,7 @@
           <a:p>
             <a:fld id="{408926B9-0AE9-4841-8807-A52893CAC8ED}" type="datetimeFigureOut">
               <a:rPr lang="zh-CN" altLang="en-US" smtClean="0"/>
-              <a:t>2014/6/3</a:t>
+              <a:t>2014/6/8</a:t>
             </a:fld>
             <a:endParaRPr lang="zh-CN" altLang="en-US"/>
           </a:p>
@@ -17219,7 +17211,7 @@
           <a:p>
             <a:fld id="{408926B9-0AE9-4841-8807-A52893CAC8ED}" type="datetimeFigureOut">
               <a:rPr lang="zh-CN" altLang="en-US" smtClean="0"/>
-              <a:t>2014/6/3</a:t>
+              <a:t>2014/6/8</a:t>
             </a:fld>
             <a:endParaRPr lang="zh-CN" altLang="en-US"/>
           </a:p>
@@ -17496,7 +17488,7 @@
           <a:p>
             <a:fld id="{408926B9-0AE9-4841-8807-A52893CAC8ED}" type="datetimeFigureOut">
               <a:rPr lang="zh-CN" altLang="en-US" smtClean="0"/>
-              <a:t>2014/6/3</a:t>
+              <a:t>2014/6/8</a:t>
             </a:fld>
             <a:endParaRPr lang="zh-CN" altLang="en-US"/>
           </a:p>
@@ -17753,7 +17745,7 @@
           <a:p>
             <a:fld id="{408926B9-0AE9-4841-8807-A52893CAC8ED}" type="datetimeFigureOut">
               <a:rPr lang="zh-CN" altLang="en-US" smtClean="0"/>
-              <a:t>2014/6/3</a:t>
+              <a:t>2014/6/8</a:t>
             </a:fld>
             <a:endParaRPr lang="zh-CN" altLang="en-US"/>
           </a:p>
@@ -17966,7 +17958,7 @@
           <a:p>
             <a:fld id="{408926B9-0AE9-4841-8807-A52893CAC8ED}" type="datetimeFigureOut">
               <a:rPr lang="zh-CN" altLang="en-US" smtClean="0"/>
-              <a:t>2014/6/3</a:t>
+              <a:t>2014/6/8</a:t>
             </a:fld>
             <a:endParaRPr lang="zh-CN" altLang="en-US"/>
           </a:p>
@@ -18978,15 +18970,7 @@
           <a:p>
             <a:r>
               <a:rPr lang="zh-CN" altLang="en-US" dirty="0" smtClean="0"/>
-              <a:t>三创空间</a:t>
-            </a:r>
-            <a:r>
-              <a:rPr lang="zh-CN" altLang="en-US" dirty="0"/>
-              <a:t>组织</a:t>
-            </a:r>
-            <a:r>
-              <a:rPr lang="zh-CN" altLang="en-US" dirty="0" smtClean="0"/>
-              <a:t>架构</a:t>
+              <a:t>创客空间运行人员安排</a:t>
             </a:r>
             <a:endParaRPr lang="zh-CN" altLang="en-US" dirty="0"/>
           </a:p>
@@ -19114,7 +19098,7 @@
         <p:spPr/>
         <p:txBody>
           <a:bodyPr>
-            <a:normAutofit/>
+            <a:normAutofit lnSpcReduction="10000"/>
           </a:bodyPr>
           <a:lstStyle/>
           <a:p>
@@ -19136,11 +19120,23 @@
             <a:pPr lvl="1"/>
             <a:r>
               <a:rPr lang="en-US" altLang="zh-CN" sz="1600" dirty="0" smtClean="0"/>
-              <a:t>6.1-6.13	</a:t>
+              <a:t>6.1-6.27	</a:t>
             </a:r>
             <a:r>
               <a:rPr lang="zh-CN" altLang="en-US" sz="1600" dirty="0" smtClean="0"/>
-              <a:t>盘点训练中心可供开放的资源</a:t>
+              <a:t>创客活动模块试运行（个人特质评测、</a:t>
+            </a:r>
+            <a:r>
+              <a:rPr lang="en-US" altLang="zh-CN" sz="1600" dirty="0" smtClean="0"/>
+              <a:t>635</a:t>
+            </a:r>
+            <a:r>
+              <a:rPr lang="zh-CN" altLang="en-US" sz="1600" dirty="0" smtClean="0"/>
+              <a:t>设计方法</a:t>
+            </a:r>
+            <a:r>
+              <a:rPr lang="zh-CN" altLang="en-US" sz="1600" dirty="0" smtClean="0"/>
+              <a:t>）</a:t>
             </a:r>
             <a:endParaRPr lang="en-US" altLang="zh-CN" sz="1600" dirty="0" smtClean="0"/>
           </a:p>
@@ -19148,7 +19144,71 @@
             <a:pPr lvl="1"/>
             <a:r>
               <a:rPr lang="en-US" altLang="zh-CN" sz="1600" dirty="0" smtClean="0"/>
-              <a:t>6.1-6.9	</a:t>
+              <a:t>6.1-6.27	</a:t>
+            </a:r>
+            <a:r>
+              <a:rPr lang="zh-CN" altLang="en-US" sz="1600" dirty="0" smtClean="0"/>
+              <a:t>创客协作平台试用</a:t>
+            </a:r>
+            <a:endParaRPr lang="en-US" altLang="zh-CN" sz="1600" dirty="0" smtClean="0"/>
+          </a:p>
+          <a:p>
+            <a:pPr lvl="1"/>
+            <a:r>
+              <a:rPr lang="en-US" altLang="zh-CN" sz="1600" dirty="0"/>
+              <a:t>6.1-6.27	</a:t>
+            </a:r>
+            <a:r>
+              <a:rPr lang="zh-CN" altLang="en-US" sz="1600" dirty="0"/>
+              <a:t>设计空间</a:t>
+            </a:r>
+            <a:r>
+              <a:rPr lang="en-US" altLang="zh-CN" sz="1600" dirty="0"/>
+              <a:t>VI</a:t>
+            </a:r>
+            <a:r>
+              <a:rPr lang="zh-CN" altLang="en-US" sz="1600" dirty="0"/>
+              <a:t>视觉识别系统</a:t>
+            </a:r>
+            <a:endParaRPr lang="en-US" altLang="zh-CN" sz="1600" dirty="0"/>
+          </a:p>
+          <a:p>
+            <a:pPr lvl="1"/>
+            <a:r>
+              <a:rPr lang="en-US" altLang="zh-CN" sz="1600" dirty="0" smtClean="0"/>
+              <a:t>6.1-6.27</a:t>
+            </a:r>
+            <a:r>
+              <a:rPr lang="en-US" altLang="zh-CN" sz="1600" dirty="0"/>
+              <a:t>	</a:t>
+            </a:r>
+            <a:r>
+              <a:rPr lang="zh-CN" altLang="en-US" sz="1600" dirty="0"/>
+              <a:t>空间支持方案设计，基金会</a:t>
+            </a:r>
+            <a:endParaRPr lang="en-US" altLang="zh-CN" sz="1600" dirty="0"/>
+          </a:p>
+          <a:p>
+            <a:pPr lvl="1"/>
+            <a:r>
+              <a:rPr lang="en-US" altLang="zh-CN" sz="1600" dirty="0" smtClean="0"/>
+              <a:t>6.9-6.13</a:t>
+            </a:r>
+            <a:r>
+              <a:rPr lang="en-US" altLang="zh-CN" sz="1600" dirty="0" smtClean="0"/>
+              <a:t>	</a:t>
+            </a:r>
+            <a:r>
+              <a:rPr lang="zh-CN" altLang="en-US" sz="1600" dirty="0" smtClean="0"/>
+              <a:t>盘点训练中心与创客活动可结合的资源</a:t>
+            </a:r>
+            <a:endParaRPr lang="en-US" altLang="zh-CN" sz="1600" dirty="0" smtClean="0"/>
+          </a:p>
+          <a:p>
+            <a:pPr lvl="1"/>
+            <a:r>
+              <a:rPr lang="en-US" altLang="zh-CN" sz="1600" dirty="0" smtClean="0"/>
+              <a:t>6.9-6.13	</a:t>
             </a:r>
             <a:r>
               <a:rPr lang="zh-CN" altLang="en-US" sz="1600" dirty="0" smtClean="0"/>
@@ -19160,43 +19220,19 @@
             <a:pPr lvl="1"/>
             <a:r>
               <a:rPr lang="en-US" altLang="zh-CN" sz="1600" dirty="0" smtClean="0"/>
-              <a:t>6.1-6.27	</a:t>
+              <a:t>6.30-9.21</a:t>
+            </a:r>
+            <a:r>
+              <a:rPr lang="en-US" altLang="zh-CN" sz="1600" dirty="0" smtClean="0"/>
+              <a:t>	</a:t>
             </a:r>
             <a:r>
               <a:rPr lang="zh-CN" altLang="en-US" sz="1600" dirty="0" smtClean="0"/>
-              <a:t>空间支持方案设计，基金会</a:t>
-            </a:r>
-            <a:endParaRPr lang="en-US" altLang="zh-CN" sz="1600" dirty="0" smtClean="0"/>
-          </a:p>
-          <a:p>
-            <a:pPr lvl="1"/>
-            <a:r>
-              <a:rPr lang="en-US" altLang="zh-CN" sz="1600" dirty="0" smtClean="0"/>
-              <a:t>6.1-6.27	</a:t>
+              <a:t>暑期实习结合的创</a:t>
             </a:r>
             <a:r>
               <a:rPr lang="zh-CN" altLang="en-US" sz="1600" dirty="0" smtClean="0"/>
-              <a:t>设计空间</a:t>
-            </a:r>
-            <a:r>
-              <a:rPr lang="en-US" altLang="zh-CN" sz="1600" dirty="0" smtClean="0"/>
-              <a:t>VI</a:t>
-            </a:r>
-            <a:r>
-              <a:rPr lang="zh-CN" altLang="en-US" sz="1600" dirty="0" smtClean="0"/>
-              <a:t>视觉识别系统</a:t>
-            </a:r>
-            <a:endParaRPr lang="en-US" altLang="zh-CN" sz="1600" dirty="0" smtClean="0"/>
-          </a:p>
-          <a:p>
-            <a:pPr lvl="1"/>
-            <a:r>
-              <a:rPr lang="en-US" altLang="zh-CN" sz="1600" dirty="0" smtClean="0"/>
-              <a:t>6.30-7.31	</a:t>
-            </a:r>
-            <a:r>
-              <a:rPr lang="zh-CN" altLang="en-US" sz="1600" dirty="0" smtClean="0"/>
-              <a:t>暑期实习结合的创客活动</a:t>
+              <a:t>客文化活动（以线上为主）</a:t>
             </a:r>
             <a:endParaRPr lang="en-US" altLang="zh-CN" sz="1600" dirty="0" smtClean="0"/>
           </a:p>
@@ -19333,17 +19369,13 @@
             </a:r>
             <a:r>
               <a:rPr lang="zh-CN" altLang="en-US" sz="1800" dirty="0"/>
-              <a:t>项目，吸引</a:t>
+              <a:t>项目，吸引学生</a:t>
             </a:r>
             <a:r>
-              <a:rPr lang="zh-CN" altLang="en-US" sz="1800"/>
-              <a:t>学生</a:t>
-            </a:r>
-            <a:r>
-              <a:rPr lang="zh-CN" altLang="en-US" sz="1800" smtClean="0"/>
+              <a:rPr lang="zh-CN" altLang="en-US" sz="1800" dirty="0" smtClean="0"/>
               <a:t>参与</a:t>
             </a:r>
-            <a:endParaRPr lang="en-US" altLang="zh-CN" sz="1800" smtClean="0"/>
+            <a:endParaRPr lang="en-US" altLang="zh-CN" sz="1800" dirty="0" smtClean="0"/>
           </a:p>
         </p:txBody>
       </p:sp>
@@ -19351,6 +19383,78 @@
     <p:extLst>
       <p:ext uri="{BB962C8B-B14F-4D97-AF65-F5344CB8AC3E}">
         <p14:creationId xmlns:p14="http://schemas.microsoft.com/office/powerpoint/2010/main" val="890918650"/>
+      </p:ext>
+    </p:extLst>
+  </p:cSld>
+  <p:clrMapOvr>
+    <a:masterClrMapping/>
+  </p:clrMapOvr>
+</p:sld>
+</file>
+
+<file path=ppt/slides/slide4.xml><?xml version="1.0" encoding="utf-8"?>
+<p:sld xmlns:a="http://schemas.openxmlformats.org/drawingml/2006/main" xmlns:r="http://schemas.openxmlformats.org/officeDocument/2006/relationships" xmlns:p="http://schemas.openxmlformats.org/presentationml/2006/main">
+  <p:cSld>
+    <p:spTree>
+      <p:nvGrpSpPr>
+        <p:cNvPr id="1" name=""/>
+        <p:cNvGrpSpPr/>
+        <p:nvPr/>
+      </p:nvGrpSpPr>
+      <p:grpSpPr>
+        <a:xfrm>
+          <a:off x="0" y="0"/>
+          <a:ext cx="0" cy="0"/>
+          <a:chOff x="0" y="0"/>
+          <a:chExt cx="0" cy="0"/>
+        </a:xfrm>
+      </p:grpSpPr>
+      <p:sp>
+        <p:nvSpPr>
+          <p:cNvPr id="2" name="Title 1"/>
+          <p:cNvSpPr>
+            <a:spLocks noGrp="1"/>
+          </p:cNvSpPr>
+          <p:nvPr>
+            <p:ph type="title"/>
+          </p:nvPr>
+        </p:nvSpPr>
+        <p:spPr/>
+        <p:txBody>
+          <a:bodyPr/>
+          <a:lstStyle/>
+          <a:p>
+            <a:r>
+              <a:rPr lang="zh-CN" altLang="en-US" dirty="0" smtClean="0"/>
+              <a:t>预算</a:t>
+            </a:r>
+            <a:endParaRPr lang="zh-CN" altLang="en-US" dirty="0"/>
+          </a:p>
+        </p:txBody>
+      </p:sp>
+      <p:sp>
+        <p:nvSpPr>
+          <p:cNvPr id="3" name="Content Placeholder 2"/>
+          <p:cNvSpPr>
+            <a:spLocks noGrp="1"/>
+          </p:cNvSpPr>
+          <p:nvPr>
+            <p:ph idx="1"/>
+          </p:nvPr>
+        </p:nvSpPr>
+        <p:spPr/>
+        <p:txBody>
+          <a:bodyPr/>
+          <a:lstStyle/>
+          <a:p>
+            <a:endParaRPr lang="zh-CN" altLang="en-US"/>
+          </a:p>
+        </p:txBody>
+      </p:sp>
+    </p:spTree>
+    <p:extLst>
+      <p:ext uri="{BB962C8B-B14F-4D97-AF65-F5344CB8AC3E}">
+        <p14:creationId xmlns:p14="http://schemas.microsoft.com/office/powerpoint/2010/main" val="1997779135"/>
       </p:ext>
     </p:extLst>
   </p:cSld>
